--- a/ppt/unnamed.pptx
+++ b/ppt/unnamed.pptx
@@ -6,6 +6,7 @@
   </p:sldMasterIdLst>
   <p:sldIdLst>
     <p:sldId id="256" r:id="rId2"/>
+    <p:sldId id="257" r:id="rId3"/>
   </p:sldIdLst>
   <p:sldSz cx="12192000" cy="6858000"/>
   <p:notesSz cx="6858000" cy="9144000"/>
@@ -259,7 +260,7 @@
           <a:p>
             <a:fld id="{F2EC5A03-E1BF-4CF3-BD3D-1870F3A69E1D}" type="datetimeFigureOut">
               <a:rPr lang="ko-KR" altLang="en-US" smtClean="0"/>
-              <a:t>2019-03-30</a:t>
+              <a:t>2019-05-20</a:t>
             </a:fld>
             <a:endParaRPr lang="ko-KR" altLang="en-US"/>
           </a:p>
@@ -457,7 +458,7 @@
           <a:p>
             <a:fld id="{F2EC5A03-E1BF-4CF3-BD3D-1870F3A69E1D}" type="datetimeFigureOut">
               <a:rPr lang="ko-KR" altLang="en-US" smtClean="0"/>
-              <a:t>2019-03-30</a:t>
+              <a:t>2019-05-20</a:t>
             </a:fld>
             <a:endParaRPr lang="ko-KR" altLang="en-US"/>
           </a:p>
@@ -665,7 +666,7 @@
           <a:p>
             <a:fld id="{F2EC5A03-E1BF-4CF3-BD3D-1870F3A69E1D}" type="datetimeFigureOut">
               <a:rPr lang="ko-KR" altLang="en-US" smtClean="0"/>
-              <a:t>2019-03-30</a:t>
+              <a:t>2019-05-20</a:t>
             </a:fld>
             <a:endParaRPr lang="ko-KR" altLang="en-US"/>
           </a:p>
@@ -863,7 +864,7 @@
           <a:p>
             <a:fld id="{F2EC5A03-E1BF-4CF3-BD3D-1870F3A69E1D}" type="datetimeFigureOut">
               <a:rPr lang="ko-KR" altLang="en-US" smtClean="0"/>
-              <a:t>2019-03-30</a:t>
+              <a:t>2019-05-20</a:t>
             </a:fld>
             <a:endParaRPr lang="ko-KR" altLang="en-US"/>
           </a:p>
@@ -1138,7 +1139,7 @@
           <a:p>
             <a:fld id="{F2EC5A03-E1BF-4CF3-BD3D-1870F3A69E1D}" type="datetimeFigureOut">
               <a:rPr lang="ko-KR" altLang="en-US" smtClean="0"/>
-              <a:t>2019-03-30</a:t>
+              <a:t>2019-05-20</a:t>
             </a:fld>
             <a:endParaRPr lang="ko-KR" altLang="en-US"/>
           </a:p>
@@ -1403,7 +1404,7 @@
           <a:p>
             <a:fld id="{F2EC5A03-E1BF-4CF3-BD3D-1870F3A69E1D}" type="datetimeFigureOut">
               <a:rPr lang="ko-KR" altLang="en-US" smtClean="0"/>
-              <a:t>2019-03-30</a:t>
+              <a:t>2019-05-20</a:t>
             </a:fld>
             <a:endParaRPr lang="ko-KR" altLang="en-US"/>
           </a:p>
@@ -1815,7 +1816,7 @@
           <a:p>
             <a:fld id="{F2EC5A03-E1BF-4CF3-BD3D-1870F3A69E1D}" type="datetimeFigureOut">
               <a:rPr lang="ko-KR" altLang="en-US" smtClean="0"/>
-              <a:t>2019-03-30</a:t>
+              <a:t>2019-05-20</a:t>
             </a:fld>
             <a:endParaRPr lang="ko-KR" altLang="en-US"/>
           </a:p>
@@ -1956,7 +1957,7 @@
           <a:p>
             <a:fld id="{F2EC5A03-E1BF-4CF3-BD3D-1870F3A69E1D}" type="datetimeFigureOut">
               <a:rPr lang="ko-KR" altLang="en-US" smtClean="0"/>
-              <a:t>2019-03-30</a:t>
+              <a:t>2019-05-20</a:t>
             </a:fld>
             <a:endParaRPr lang="ko-KR" altLang="en-US"/>
           </a:p>
@@ -2069,7 +2070,7 @@
           <a:p>
             <a:fld id="{F2EC5A03-E1BF-4CF3-BD3D-1870F3A69E1D}" type="datetimeFigureOut">
               <a:rPr lang="ko-KR" altLang="en-US" smtClean="0"/>
-              <a:t>2019-03-30</a:t>
+              <a:t>2019-05-20</a:t>
             </a:fld>
             <a:endParaRPr lang="ko-KR" altLang="en-US"/>
           </a:p>
@@ -2380,7 +2381,7 @@
           <a:p>
             <a:fld id="{F2EC5A03-E1BF-4CF3-BD3D-1870F3A69E1D}" type="datetimeFigureOut">
               <a:rPr lang="ko-KR" altLang="en-US" smtClean="0"/>
-              <a:t>2019-03-30</a:t>
+              <a:t>2019-05-20</a:t>
             </a:fld>
             <a:endParaRPr lang="ko-KR" altLang="en-US"/>
           </a:p>
@@ -2668,7 +2669,7 @@
           <a:p>
             <a:fld id="{F2EC5A03-E1BF-4CF3-BD3D-1870F3A69E1D}" type="datetimeFigureOut">
               <a:rPr lang="ko-KR" altLang="en-US" smtClean="0"/>
-              <a:t>2019-03-30</a:t>
+              <a:t>2019-05-20</a:t>
             </a:fld>
             <a:endParaRPr lang="ko-KR" altLang="en-US"/>
           </a:p>
@@ -2909,7 +2910,7 @@
           <a:p>
             <a:fld id="{F2EC5A03-E1BF-4CF3-BD3D-1870F3A69E1D}" type="datetimeFigureOut">
               <a:rPr lang="ko-KR" altLang="en-US" smtClean="0"/>
-              <a:t>2019-03-30</a:t>
+              <a:t>2019-05-20</a:t>
             </a:fld>
             <a:endParaRPr lang="ko-KR" altLang="en-US"/>
           </a:p>
@@ -3326,56 +3327,1777 @@
           <a:chExt cx="0" cy="0"/>
         </a:xfrm>
       </p:grpSpPr>
-      <p:sp>
-        <p:nvSpPr>
-          <p:cNvPr id="18" name="화살표: 오른쪽 17">
-            <a:extLst>
-              <a:ext uri="{FF2B5EF4-FFF2-40B4-BE49-F238E27FC236}">
-                <a16:creationId xmlns:a16="http://schemas.microsoft.com/office/drawing/2014/main" id="{76165FF0-338A-4DFA-BEBC-9297C6919E76}"/>
-              </a:ext>
-            </a:extLst>
-          </p:cNvPr>
-          <p:cNvSpPr/>
+      <p:grpSp>
+        <p:nvGrpSpPr>
+          <p:cNvPr id="51" name="그룹 50">
+            <a:extLst>
+              <a:ext uri="{FF2B5EF4-FFF2-40B4-BE49-F238E27FC236}">
+                <a16:creationId xmlns:a16="http://schemas.microsoft.com/office/drawing/2014/main" id="{99205CB7-1EEC-42BC-8F6C-4BB9CFBF0889}"/>
+              </a:ext>
+            </a:extLst>
+          </p:cNvPr>
+          <p:cNvGrpSpPr/>
           <p:nvPr/>
-        </p:nvSpPr>
+        </p:nvGrpSpPr>
+        <p:grpSpPr>
+          <a:xfrm>
+            <a:off x="4993304" y="4994029"/>
+            <a:ext cx="2807771" cy="1624721"/>
+            <a:chOff x="3943455" y="4596633"/>
+            <a:chExt cx="2807771" cy="1624721"/>
+          </a:xfrm>
+        </p:grpSpPr>
+        <p:pic>
+          <p:nvPicPr>
+            <p:cNvPr id="1028" name="Picture 4" descr="firebaseì ëí ì´ë¯¸ì§ ê²ìê²°ê³¼">
+              <a:extLst>
+                <a:ext uri="{FF2B5EF4-FFF2-40B4-BE49-F238E27FC236}">
+                  <a16:creationId xmlns:a16="http://schemas.microsoft.com/office/drawing/2014/main" id="{1DCF005D-D749-495E-9E9E-C3B41954DDF3}"/>
+                </a:ext>
+              </a:extLst>
+            </p:cNvPr>
+            <p:cNvPicPr>
+              <a:picLocks noChangeAspect="1" noChangeArrowheads="1"/>
+            </p:cNvPicPr>
+            <p:nvPr/>
+          </p:nvPicPr>
+          <p:blipFill rotWithShape="1">
+            <a:blip r:embed="rId2">
+              <a:extLst>
+                <a:ext uri="{28A0092B-C50C-407E-A947-70E740481C1C}">
+                  <a14:useLocalDpi xmlns:a14="http://schemas.microsoft.com/office/drawing/2010/main" val="0"/>
+                </a:ext>
+              </a:extLst>
+            </a:blip>
+            <a:srcRect r="59601"/>
+            <a:stretch/>
+          </p:blipFill>
+          <p:spPr bwMode="auto">
+            <a:xfrm>
+              <a:off x="3943455" y="4596633"/>
+              <a:ext cx="1235873" cy="1529591"/>
+            </a:xfrm>
+            <a:prstGeom prst="rect">
+              <a:avLst/>
+            </a:prstGeom>
+            <a:noFill/>
+            <a:extLst>
+              <a:ext uri="{909E8E84-426E-40DD-AFC4-6F175D3DCCD1}">
+                <a14:hiddenFill xmlns:a14="http://schemas.microsoft.com/office/drawing/2010/main">
+                  <a:solidFill>
+                    <a:srgbClr val="FFFFFF"/>
+                  </a:solidFill>
+                </a14:hiddenFill>
+              </a:ext>
+            </a:extLst>
+          </p:spPr>
+        </p:pic>
+        <p:sp>
+          <p:nvSpPr>
+            <p:cNvPr id="4" name="TextBox 3">
+              <a:extLst>
+                <a:ext uri="{FF2B5EF4-FFF2-40B4-BE49-F238E27FC236}">
+                  <a16:creationId xmlns:a16="http://schemas.microsoft.com/office/drawing/2014/main" id="{D88AB5BF-979F-4D17-9A67-009149E96B2E}"/>
+                </a:ext>
+              </a:extLst>
+            </p:cNvPr>
+            <p:cNvSpPr txBox="1"/>
+            <p:nvPr/>
+          </p:nvSpPr>
+          <p:spPr>
+            <a:xfrm>
+              <a:off x="5236068" y="4651694"/>
+              <a:ext cx="1515158" cy="1569660"/>
+            </a:xfrm>
+            <a:prstGeom prst="rect">
+              <a:avLst/>
+            </a:prstGeom>
+            <a:noFill/>
+            <a:ln>
+              <a:solidFill>
+                <a:schemeClr val="accent4"/>
+              </a:solidFill>
+            </a:ln>
+          </p:spPr>
+          <p:txBody>
+            <a:bodyPr wrap="none" rtlCol="0">
+              <a:spAutoFit/>
+            </a:bodyPr>
+            <a:lstStyle/>
+            <a:p>
+              <a:r>
+                <a:rPr lang="en-US" altLang="ko-KR" sz="1600" b="1" dirty="0"/>
+                <a:t>My</a:t>
+              </a:r>
+              <a:r>
+                <a:rPr lang="ko-KR" altLang="en-US" sz="1600" b="1" dirty="0"/>
+                <a:t> </a:t>
+              </a:r>
+              <a:r>
+                <a:rPr lang="en-US" altLang="ko-KR" sz="1600" b="1" dirty="0"/>
+                <a:t>AR</a:t>
+              </a:r>
+              <a:r>
+                <a:rPr lang="ko-KR" altLang="en-US" sz="1600" b="1" dirty="0"/>
+                <a:t> </a:t>
+              </a:r>
+              <a:r>
+                <a:rPr lang="en-US" altLang="ko-KR" sz="1600" b="1" dirty="0"/>
+                <a:t>Closet</a:t>
+              </a:r>
+            </a:p>
+            <a:p>
+              <a:r>
+                <a:rPr lang="en-US" altLang="ko-KR" sz="1600" b="1" dirty="0"/>
+                <a:t>Android APP </a:t>
+              </a:r>
+            </a:p>
+            <a:p>
+              <a:r>
+                <a:rPr lang="en-US" altLang="ko-KR" sz="1600" dirty="0"/>
+                <a:t>-GUI </a:t>
+              </a:r>
+            </a:p>
+            <a:p>
+              <a:r>
+                <a:rPr lang="en-US" altLang="ko-KR" sz="1600" dirty="0"/>
+                <a:t>-</a:t>
+              </a:r>
+              <a:r>
+                <a:rPr lang="ko-KR" altLang="en-US" sz="1600" dirty="0"/>
+                <a:t>로그인</a:t>
+              </a:r>
+              <a:r>
+                <a:rPr lang="en-US" altLang="ko-KR" sz="1600" dirty="0"/>
+                <a:t> </a:t>
+              </a:r>
+            </a:p>
+            <a:p>
+              <a:r>
+                <a:rPr lang="en-US" altLang="ko-KR" sz="1600" dirty="0"/>
+                <a:t>-</a:t>
+              </a:r>
+              <a:r>
+                <a:rPr lang="ko-KR" altLang="en-US" sz="1600" dirty="0"/>
+                <a:t>사진촬영</a:t>
+              </a:r>
+              <a:endParaRPr lang="en-US" altLang="ko-KR" sz="1600" dirty="0"/>
+            </a:p>
+            <a:p>
+              <a:r>
+                <a:rPr lang="en-US" altLang="ko-KR" sz="1600" dirty="0"/>
+                <a:t>-Firebase </a:t>
+              </a:r>
+              <a:r>
+                <a:rPr lang="ko-KR" altLang="en-US" sz="1600" dirty="0"/>
+                <a:t>연동</a:t>
+              </a:r>
+              <a:endParaRPr lang="en-US" altLang="ko-KR" sz="1600" dirty="0"/>
+            </a:p>
+          </p:txBody>
+        </p:sp>
+      </p:grpSp>
+      <p:grpSp>
+        <p:nvGrpSpPr>
+          <p:cNvPr id="50" name="그룹 49">
+            <a:extLst>
+              <a:ext uri="{FF2B5EF4-FFF2-40B4-BE49-F238E27FC236}">
+                <a16:creationId xmlns:a16="http://schemas.microsoft.com/office/drawing/2014/main" id="{D8FDDF9C-5AC5-468C-BECB-93B1F7E1B923}"/>
+              </a:ext>
+            </a:extLst>
+          </p:cNvPr>
+          <p:cNvGrpSpPr/>
+          <p:nvPr/>
+        </p:nvGrpSpPr>
+        <p:grpSpPr>
+          <a:xfrm>
+            <a:off x="409610" y="2923139"/>
+            <a:ext cx="1952779" cy="3306862"/>
+            <a:chOff x="2204862" y="2084929"/>
+            <a:chExt cx="1606335" cy="2396561"/>
+          </a:xfrm>
+        </p:grpSpPr>
+        <p:pic>
+          <p:nvPicPr>
+            <p:cNvPr id="36" name="Picture 4" descr="firebaseì ëí ì´ë¯¸ì§ ê²ìê²°ê³¼">
+              <a:extLst>
+                <a:ext uri="{FF2B5EF4-FFF2-40B4-BE49-F238E27FC236}">
+                  <a16:creationId xmlns:a16="http://schemas.microsoft.com/office/drawing/2014/main" id="{19442F26-96C2-4C70-92AD-5E48B3C64608}"/>
+                </a:ext>
+              </a:extLst>
+            </p:cNvPr>
+            <p:cNvPicPr>
+              <a:picLocks noChangeAspect="1" noChangeArrowheads="1"/>
+            </p:cNvPicPr>
+            <p:nvPr/>
+          </p:nvPicPr>
+          <p:blipFill rotWithShape="1">
+            <a:blip r:embed="rId2">
+              <a:extLst>
+                <a:ext uri="{28A0092B-C50C-407E-A947-70E740481C1C}">
+                  <a14:useLocalDpi xmlns:a14="http://schemas.microsoft.com/office/drawing/2010/main" val="0"/>
+                </a:ext>
+              </a:extLst>
+            </a:blip>
+            <a:srcRect l="64177"/>
+            <a:stretch/>
+          </p:blipFill>
+          <p:spPr bwMode="auto">
+            <a:xfrm>
+              <a:off x="2457545" y="2084929"/>
+              <a:ext cx="1095892" cy="1529591"/>
+            </a:xfrm>
+            <a:prstGeom prst="rect">
+              <a:avLst/>
+            </a:prstGeom>
+            <a:noFill/>
+            <a:extLst>
+              <a:ext uri="{909E8E84-426E-40DD-AFC4-6F175D3DCCD1}">
+                <a14:hiddenFill xmlns:a14="http://schemas.microsoft.com/office/drawing/2010/main">
+                  <a:solidFill>
+                    <a:srgbClr val="FFFFFF"/>
+                  </a:solidFill>
+                </a14:hiddenFill>
+              </a:ext>
+            </a:extLst>
+          </p:spPr>
+        </p:pic>
+        <p:sp>
+          <p:nvSpPr>
+            <p:cNvPr id="24" name="TextBox 23">
+              <a:extLst>
+                <a:ext uri="{FF2B5EF4-FFF2-40B4-BE49-F238E27FC236}">
+                  <a16:creationId xmlns:a16="http://schemas.microsoft.com/office/drawing/2014/main" id="{7C22AE16-9764-4ECA-91FB-9E95AFE02783}"/>
+                </a:ext>
+              </a:extLst>
+            </p:cNvPr>
+            <p:cNvSpPr txBox="1"/>
+            <p:nvPr/>
+          </p:nvSpPr>
+          <p:spPr>
+            <a:xfrm>
+              <a:off x="2204862" y="3410836"/>
+              <a:ext cx="1606335" cy="1070654"/>
+            </a:xfrm>
+            <a:prstGeom prst="rect">
+              <a:avLst/>
+            </a:prstGeom>
+            <a:noFill/>
+            <a:ln>
+              <a:solidFill>
+                <a:schemeClr val="accent4"/>
+              </a:solidFill>
+            </a:ln>
+          </p:spPr>
+          <p:txBody>
+            <a:bodyPr wrap="none" rtlCol="0">
+              <a:spAutoFit/>
+            </a:bodyPr>
+            <a:lstStyle/>
+            <a:p>
+              <a:r>
+                <a:rPr lang="en-US" altLang="ko-KR" b="1" dirty="0"/>
+                <a:t>Firebase </a:t>
+              </a:r>
+              <a:r>
+                <a:rPr lang="ko-KR" altLang="en-US" b="1" dirty="0"/>
+                <a:t>서버</a:t>
+              </a:r>
+              <a:endParaRPr lang="en-US" altLang="ko-KR" b="1" dirty="0"/>
+            </a:p>
+            <a:p>
+              <a:r>
+                <a:rPr lang="en-US" altLang="ko-KR" dirty="0"/>
+                <a:t>-Auth (</a:t>
+              </a:r>
+              <a:r>
+                <a:rPr lang="ko-KR" altLang="en-US" dirty="0"/>
+                <a:t>로그인</a:t>
+              </a:r>
+              <a:r>
+                <a:rPr lang="en-US" altLang="ko-KR" dirty="0"/>
+                <a:t>)</a:t>
+              </a:r>
+            </a:p>
+            <a:p>
+              <a:r>
+                <a:rPr lang="en-US" altLang="ko-KR" dirty="0"/>
+                <a:t>-Cloud Storage</a:t>
+              </a:r>
+            </a:p>
+            <a:p>
+              <a:r>
+                <a:rPr lang="en-US" altLang="ko-KR" dirty="0"/>
+                <a:t>(</a:t>
+              </a:r>
+              <a:r>
+                <a:rPr lang="ko-KR" altLang="en-US" dirty="0"/>
+                <a:t>촬영한 사진과 </a:t>
+              </a:r>
+              <a:endParaRPr lang="en-US" altLang="ko-KR" dirty="0"/>
+            </a:p>
+            <a:p>
+              <a:r>
+                <a:rPr lang="ko-KR" altLang="en-US" dirty="0"/>
+                <a:t>메타데이터 저장</a:t>
+              </a:r>
+              <a:r>
+                <a:rPr lang="en-US" altLang="ko-KR" dirty="0"/>
+                <a:t>)</a:t>
+              </a:r>
+            </a:p>
+          </p:txBody>
+        </p:sp>
+      </p:grpSp>
+      <p:grpSp>
+        <p:nvGrpSpPr>
+          <p:cNvPr id="46" name="그룹 45">
+            <a:extLst>
+              <a:ext uri="{FF2B5EF4-FFF2-40B4-BE49-F238E27FC236}">
+                <a16:creationId xmlns:a16="http://schemas.microsoft.com/office/drawing/2014/main" id="{C1CB6546-A1A3-4388-9697-5F4471561462}"/>
+              </a:ext>
+            </a:extLst>
+          </p:cNvPr>
+          <p:cNvGrpSpPr/>
+          <p:nvPr/>
+        </p:nvGrpSpPr>
+        <p:grpSpPr>
+          <a:xfrm>
+            <a:off x="10314200" y="3510280"/>
+            <a:ext cx="1747006" cy="1747006"/>
+            <a:chOff x="10560672" y="2436491"/>
+            <a:chExt cx="1747006" cy="1747006"/>
+          </a:xfrm>
+        </p:grpSpPr>
+        <p:pic>
+          <p:nvPicPr>
+            <p:cNvPr id="7" name="그래픽 6" descr="남자">
+              <a:extLst>
+                <a:ext uri="{FF2B5EF4-FFF2-40B4-BE49-F238E27FC236}">
+                  <a16:creationId xmlns:a16="http://schemas.microsoft.com/office/drawing/2014/main" id="{256C836B-1574-441A-89D5-EE96B252F970}"/>
+                </a:ext>
+              </a:extLst>
+            </p:cNvPr>
+            <p:cNvPicPr>
+              <a:picLocks noChangeAspect="1"/>
+            </p:cNvPicPr>
+            <p:nvPr/>
+          </p:nvPicPr>
+          <p:blipFill>
+            <a:blip r:embed="rId3">
+              <a:extLst>
+                <a:ext uri="{28A0092B-C50C-407E-A947-70E740481C1C}">
+                  <a14:useLocalDpi xmlns:a14="http://schemas.microsoft.com/office/drawing/2010/main" val="0"/>
+                </a:ext>
+                <a:ext uri="{96DAC541-7B7A-43D3-8B79-37D633B846F1}">
+                  <asvg:svgBlip xmlns:asvg="http://schemas.microsoft.com/office/drawing/2016/SVG/main" r:embed="rId4"/>
+                </a:ext>
+              </a:extLst>
+            </a:blip>
+            <a:stretch>
+              <a:fillRect/>
+            </a:stretch>
+          </p:blipFill>
+          <p:spPr>
+            <a:xfrm>
+              <a:off x="10560672" y="2436491"/>
+              <a:ext cx="1747006" cy="1747006"/>
+            </a:xfrm>
+            <a:prstGeom prst="rect">
+              <a:avLst/>
+            </a:prstGeom>
+          </p:spPr>
+        </p:pic>
+        <p:sp>
+          <p:nvSpPr>
+            <p:cNvPr id="42" name="TextBox 41">
+              <a:extLst>
+                <a:ext uri="{FF2B5EF4-FFF2-40B4-BE49-F238E27FC236}">
+                  <a16:creationId xmlns:a16="http://schemas.microsoft.com/office/drawing/2014/main" id="{D0FBE1D7-A39A-44F0-B4D9-91A5AAAA0C70}"/>
+                </a:ext>
+              </a:extLst>
+            </p:cNvPr>
+            <p:cNvSpPr txBox="1"/>
+            <p:nvPr/>
+          </p:nvSpPr>
+          <p:spPr>
+            <a:xfrm>
+              <a:off x="11121737" y="2834013"/>
+              <a:ext cx="842621" cy="307777"/>
+            </a:xfrm>
+            <a:prstGeom prst="rect">
+              <a:avLst/>
+            </a:prstGeom>
+            <a:noFill/>
+          </p:spPr>
+          <p:txBody>
+            <a:bodyPr wrap="square" rtlCol="0">
+              <a:spAutoFit/>
+            </a:bodyPr>
+            <a:lstStyle/>
+            <a:p>
+              <a:r>
+                <a:rPr lang="en-US" altLang="ko-KR" sz="1400" b="1" dirty="0">
+                  <a:solidFill>
+                    <a:schemeClr val="bg1"/>
+                  </a:solidFill>
+                </a:rPr>
+                <a:t>USER</a:t>
+              </a:r>
+              <a:endParaRPr lang="ko-KR" altLang="en-US" sz="1400" b="1" dirty="0">
+                <a:solidFill>
+                  <a:schemeClr val="bg1"/>
+                </a:solidFill>
+              </a:endParaRPr>
+            </a:p>
+          </p:txBody>
+        </p:sp>
+      </p:grpSp>
+      <p:grpSp>
+        <p:nvGrpSpPr>
+          <p:cNvPr id="48" name="그룹 47">
+            <a:extLst>
+              <a:ext uri="{FF2B5EF4-FFF2-40B4-BE49-F238E27FC236}">
+                <a16:creationId xmlns:a16="http://schemas.microsoft.com/office/drawing/2014/main" id="{270664BF-892A-48A3-A4D0-B26515922AAF}"/>
+              </a:ext>
+            </a:extLst>
+          </p:cNvPr>
+          <p:cNvGrpSpPr/>
+          <p:nvPr/>
+        </p:nvGrpSpPr>
+        <p:grpSpPr>
+          <a:xfrm>
+            <a:off x="3243202" y="97237"/>
+            <a:ext cx="7868723" cy="4429387"/>
+            <a:chOff x="4262786" y="307111"/>
+            <a:chExt cx="7868723" cy="4429387"/>
+          </a:xfrm>
+        </p:grpSpPr>
+        <p:sp>
+          <p:nvSpPr>
+            <p:cNvPr id="44" name="직사각형 43">
+              <a:extLst>
+                <a:ext uri="{FF2B5EF4-FFF2-40B4-BE49-F238E27FC236}">
+                  <a16:creationId xmlns:a16="http://schemas.microsoft.com/office/drawing/2014/main" id="{6FEF3673-16A4-4807-87DB-C3C0E916DDAA}"/>
+                </a:ext>
+              </a:extLst>
+            </p:cNvPr>
+            <p:cNvSpPr/>
+            <p:nvPr/>
+          </p:nvSpPr>
+          <p:spPr>
+            <a:xfrm>
+              <a:off x="4262786" y="307111"/>
+              <a:ext cx="6634513" cy="4429387"/>
+            </a:xfrm>
+            <a:prstGeom prst="rect">
+              <a:avLst/>
+            </a:prstGeom>
+            <a:ln cap="sq"/>
+            <a:effectLst>
+              <a:softEdge rad="0"/>
+            </a:effectLst>
+          </p:spPr>
+          <p:style>
+            <a:lnRef idx="3">
+              <a:schemeClr val="lt1"/>
+            </a:lnRef>
+            <a:fillRef idx="1">
+              <a:schemeClr val="accent3"/>
+            </a:fillRef>
+            <a:effectRef idx="1">
+              <a:schemeClr val="accent3"/>
+            </a:effectRef>
+            <a:fontRef idx="minor">
+              <a:schemeClr val="lt1"/>
+            </a:fontRef>
+          </p:style>
+          <p:txBody>
+            <a:bodyPr rtlCol="0" anchor="ctr"/>
+            <a:lstStyle/>
+            <a:p>
+              <a:pPr algn="ctr"/>
+              <a:endParaRPr lang="ko-KR" altLang="en-US" dirty="0"/>
+            </a:p>
+          </p:txBody>
+        </p:sp>
+        <p:grpSp>
+          <p:nvGrpSpPr>
+            <p:cNvPr id="17" name="그룹 16">
+              <a:extLst>
+                <a:ext uri="{FF2B5EF4-FFF2-40B4-BE49-F238E27FC236}">
+                  <a16:creationId xmlns:a16="http://schemas.microsoft.com/office/drawing/2014/main" id="{CB658993-6CB3-4D47-A8BB-2E166698E4DD}"/>
+                </a:ext>
+              </a:extLst>
+            </p:cNvPr>
+            <p:cNvGrpSpPr/>
+            <p:nvPr/>
+          </p:nvGrpSpPr>
+          <p:grpSpPr>
+            <a:xfrm>
+              <a:off x="9129405" y="1415769"/>
+              <a:ext cx="1619250" cy="2914650"/>
+              <a:chOff x="3420115" y="3239200"/>
+              <a:chExt cx="1619250" cy="2914650"/>
+            </a:xfrm>
+          </p:grpSpPr>
+          <p:pic>
+            <p:nvPicPr>
+              <p:cNvPr id="6" name="그림 5">
+                <a:extLst>
+                  <a:ext uri="{FF2B5EF4-FFF2-40B4-BE49-F238E27FC236}">
+                    <a16:creationId xmlns:a16="http://schemas.microsoft.com/office/drawing/2014/main" id="{B44E1B2D-76C0-4C06-ACA6-860E98ED5845}"/>
+                  </a:ext>
+                </a:extLst>
+              </p:cNvPr>
+              <p:cNvPicPr>
+                <a:picLocks noChangeAspect="1"/>
+              </p:cNvPicPr>
+              <p:nvPr/>
+            </p:nvPicPr>
+            <p:blipFill>
+              <a:blip r:embed="rId5"/>
+              <a:stretch>
+                <a:fillRect/>
+              </a:stretch>
+            </p:blipFill>
+            <p:spPr>
+              <a:xfrm>
+                <a:off x="3420115" y="3239200"/>
+                <a:ext cx="1619250" cy="2914650"/>
+              </a:xfrm>
+              <a:prstGeom prst="rect">
+                <a:avLst/>
+              </a:prstGeom>
+            </p:spPr>
+          </p:pic>
+          <p:sp>
+            <p:nvSpPr>
+              <p:cNvPr id="8" name="직사각형 7">
+                <a:extLst>
+                  <a:ext uri="{FF2B5EF4-FFF2-40B4-BE49-F238E27FC236}">
+                    <a16:creationId xmlns:a16="http://schemas.microsoft.com/office/drawing/2014/main" id="{52FA6747-9C38-4768-91AA-35E14A9857EA}"/>
+                  </a:ext>
+                </a:extLst>
+              </p:cNvPr>
+              <p:cNvSpPr/>
+              <p:nvPr/>
+            </p:nvSpPr>
+            <p:spPr>
+              <a:xfrm>
+                <a:off x="3515967" y="3345397"/>
+                <a:ext cx="1414140" cy="2476563"/>
+              </a:xfrm>
+              <a:prstGeom prst="rect">
+                <a:avLst/>
+              </a:prstGeom>
+              <a:solidFill>
+                <a:schemeClr val="bg1"/>
+              </a:solidFill>
+              <a:ln>
+                <a:solidFill>
+                  <a:schemeClr val="tx1"/>
+                </a:solidFill>
+              </a:ln>
+            </p:spPr>
+            <p:style>
+              <a:lnRef idx="2">
+                <a:schemeClr val="accent4">
+                  <a:shade val="50000"/>
+                </a:schemeClr>
+              </a:lnRef>
+              <a:fillRef idx="1">
+                <a:schemeClr val="accent4"/>
+              </a:fillRef>
+              <a:effectRef idx="0">
+                <a:schemeClr val="accent4"/>
+              </a:effectRef>
+              <a:fontRef idx="minor">
+                <a:schemeClr val="lt1"/>
+              </a:fontRef>
+            </p:style>
+            <p:txBody>
+              <a:bodyPr rtlCol="0" anchor="ctr"/>
+              <a:lstStyle/>
+              <a:p>
+                <a:pPr algn="ctr"/>
+                <a:endParaRPr lang="ko-KR" altLang="en-US" dirty="0"/>
+              </a:p>
+            </p:txBody>
+          </p:sp>
+        </p:grpSp>
+        <p:sp>
+          <p:nvSpPr>
+            <p:cNvPr id="18" name="화살표: 오른쪽 17">
+              <a:extLst>
+                <a:ext uri="{FF2B5EF4-FFF2-40B4-BE49-F238E27FC236}">
+                  <a16:creationId xmlns:a16="http://schemas.microsoft.com/office/drawing/2014/main" id="{76165FF0-338A-4DFA-BEBC-9297C6919E76}"/>
+                </a:ext>
+              </a:extLst>
+            </p:cNvPr>
+            <p:cNvSpPr/>
+            <p:nvPr/>
+          </p:nvSpPr>
+          <p:spPr>
+            <a:xfrm>
+              <a:off x="8318779" y="2656029"/>
+              <a:ext cx="654695" cy="356876"/>
+            </a:xfrm>
+            <a:prstGeom prst="rightArrow">
+              <a:avLst/>
+            </a:prstGeom>
+          </p:spPr>
+          <p:style>
+            <a:lnRef idx="1">
+              <a:schemeClr val="dk1"/>
+            </a:lnRef>
+            <a:fillRef idx="3">
+              <a:schemeClr val="dk1"/>
+            </a:fillRef>
+            <a:effectRef idx="2">
+              <a:schemeClr val="dk1"/>
+            </a:effectRef>
+            <a:fontRef idx="minor">
+              <a:schemeClr val="lt1"/>
+            </a:fontRef>
+          </p:style>
+          <p:txBody>
+            <a:bodyPr rtlCol="0" anchor="ctr"/>
+            <a:lstStyle/>
+            <a:p>
+              <a:pPr algn="ctr"/>
+              <a:endParaRPr lang="ko-KR" altLang="en-US"/>
+            </a:p>
+          </p:txBody>
+        </p:sp>
+        <p:pic>
+          <p:nvPicPr>
+            <p:cNvPr id="5" name="그림 4">
+              <a:extLst>
+                <a:ext uri="{FF2B5EF4-FFF2-40B4-BE49-F238E27FC236}">
+                  <a16:creationId xmlns:a16="http://schemas.microsoft.com/office/drawing/2014/main" id="{DAF05A43-27C1-4EC4-96FE-C767F245E0D1}"/>
+                </a:ext>
+              </a:extLst>
+            </p:cNvPr>
+            <p:cNvPicPr>
+              <a:picLocks noChangeAspect="1"/>
+            </p:cNvPicPr>
+            <p:nvPr/>
+          </p:nvPicPr>
+          <p:blipFill>
+            <a:blip r:embed="rId6"/>
+            <a:stretch>
+              <a:fillRect/>
+            </a:stretch>
+          </p:blipFill>
+          <p:spPr>
+            <a:xfrm>
+              <a:off x="6242954" y="1715455"/>
+              <a:ext cx="738188" cy="2219327"/>
+            </a:xfrm>
+            <a:prstGeom prst="rect">
+              <a:avLst/>
+            </a:prstGeom>
+          </p:spPr>
+        </p:pic>
+        <p:pic>
+          <p:nvPicPr>
+            <p:cNvPr id="9" name="그래픽 8" descr="셔츠">
+              <a:extLst>
+                <a:ext uri="{FF2B5EF4-FFF2-40B4-BE49-F238E27FC236}">
+                  <a16:creationId xmlns:a16="http://schemas.microsoft.com/office/drawing/2014/main" id="{5CEBE2C9-6B5E-4FB2-8562-D3C3A020AB30}"/>
+                </a:ext>
+              </a:extLst>
+            </p:cNvPr>
+            <p:cNvPicPr>
+              <a:picLocks noChangeAspect="1"/>
+            </p:cNvPicPr>
+            <p:nvPr/>
+          </p:nvPicPr>
+          <p:blipFill>
+            <a:blip r:embed="rId7" cstate="hqprint">
+              <a:extLst>
+                <a:ext uri="{28A0092B-C50C-407E-A947-70E740481C1C}">
+                  <a14:useLocalDpi xmlns:a14="http://schemas.microsoft.com/office/drawing/2010/main" val="0"/>
+                </a:ext>
+                <a:ext uri="{96DAC541-7B7A-43D3-8B79-37D633B846F1}">
+                  <asvg:svgBlip xmlns:asvg="http://schemas.microsoft.com/office/drawing/2016/SVG/main" r:embed="rId8"/>
+                </a:ext>
+              </a:extLst>
+            </a:blip>
+            <a:stretch>
+              <a:fillRect/>
+            </a:stretch>
+          </p:blipFill>
+          <p:spPr>
+            <a:xfrm>
+              <a:off x="7373506" y="2339343"/>
+              <a:ext cx="914400" cy="914400"/>
+            </a:xfrm>
+            <a:prstGeom prst="rect">
+              <a:avLst/>
+            </a:prstGeom>
+          </p:spPr>
+        </p:pic>
+        <p:sp>
+          <p:nvSpPr>
+            <p:cNvPr id="10" name="화살표: 오른쪽 9">
+              <a:extLst>
+                <a:ext uri="{FF2B5EF4-FFF2-40B4-BE49-F238E27FC236}">
+                  <a16:creationId xmlns:a16="http://schemas.microsoft.com/office/drawing/2014/main" id="{84E0053B-E7E9-48F1-8F6B-C255E62C83AF}"/>
+                </a:ext>
+              </a:extLst>
+            </p:cNvPr>
+            <p:cNvSpPr/>
+            <p:nvPr/>
+          </p:nvSpPr>
+          <p:spPr>
+            <a:xfrm>
+              <a:off x="6981142" y="2714752"/>
+              <a:ext cx="392364" cy="316684"/>
+            </a:xfrm>
+            <a:prstGeom prst="rightArrow">
+              <a:avLst/>
+            </a:prstGeom>
+          </p:spPr>
+          <p:style>
+            <a:lnRef idx="2">
+              <a:schemeClr val="dk1">
+                <a:shade val="50000"/>
+              </a:schemeClr>
+            </a:lnRef>
+            <a:fillRef idx="1">
+              <a:schemeClr val="dk1"/>
+            </a:fillRef>
+            <a:effectRef idx="0">
+              <a:schemeClr val="dk1"/>
+            </a:effectRef>
+            <a:fontRef idx="minor">
+              <a:schemeClr val="lt1"/>
+            </a:fontRef>
+          </p:style>
+          <p:txBody>
+            <a:bodyPr rtlCol="0" anchor="ctr"/>
+            <a:lstStyle/>
+            <a:p>
+              <a:pPr algn="ctr"/>
+              <a:endParaRPr lang="ko-KR" altLang="en-US"/>
+            </a:p>
+          </p:txBody>
+        </p:sp>
+        <p:sp>
+          <p:nvSpPr>
+            <p:cNvPr id="14" name="직사각형 13">
+              <a:extLst>
+                <a:ext uri="{FF2B5EF4-FFF2-40B4-BE49-F238E27FC236}">
+                  <a16:creationId xmlns:a16="http://schemas.microsoft.com/office/drawing/2014/main" id="{3581F61A-32D2-4B98-B03D-3FE397902635}"/>
+                </a:ext>
+              </a:extLst>
+            </p:cNvPr>
+            <p:cNvSpPr/>
+            <p:nvPr/>
+          </p:nvSpPr>
+          <p:spPr>
+            <a:xfrm>
+              <a:off x="9999185" y="1280234"/>
+              <a:ext cx="527279" cy="209725"/>
+            </a:xfrm>
+            <a:prstGeom prst="rect">
+              <a:avLst/>
+            </a:prstGeom>
+            <a:solidFill>
+              <a:schemeClr val="tx1">
+                <a:lumMod val="95000"/>
+                <a:lumOff val="5000"/>
+              </a:schemeClr>
+            </a:solidFill>
+          </p:spPr>
+          <p:style>
+            <a:lnRef idx="2">
+              <a:schemeClr val="accent3">
+                <a:shade val="50000"/>
+              </a:schemeClr>
+            </a:lnRef>
+            <a:fillRef idx="1">
+              <a:schemeClr val="accent3"/>
+            </a:fillRef>
+            <a:effectRef idx="0">
+              <a:schemeClr val="accent3"/>
+            </a:effectRef>
+            <a:fontRef idx="minor">
+              <a:schemeClr val="lt1"/>
+            </a:fontRef>
+          </p:style>
+          <p:txBody>
+            <a:bodyPr rtlCol="0" anchor="ctr"/>
+            <a:lstStyle/>
+            <a:p>
+              <a:r>
+                <a:rPr lang="ko-KR" altLang="en-US" sz="900" dirty="0"/>
+                <a:t>카메라</a:t>
+              </a:r>
+            </a:p>
+          </p:txBody>
+        </p:sp>
+        <p:sp>
+          <p:nvSpPr>
+            <p:cNvPr id="16" name="타원 15">
+              <a:extLst>
+                <a:ext uri="{FF2B5EF4-FFF2-40B4-BE49-F238E27FC236}">
+                  <a16:creationId xmlns:a16="http://schemas.microsoft.com/office/drawing/2014/main" id="{8B2197A8-7416-4A0C-91F5-7F92B205C550}"/>
+                </a:ext>
+              </a:extLst>
+            </p:cNvPr>
+            <p:cNvSpPr/>
+            <p:nvPr/>
+          </p:nvSpPr>
+          <p:spPr>
+            <a:xfrm>
+              <a:off x="10441000" y="1271845"/>
+              <a:ext cx="239345" cy="211535"/>
+            </a:xfrm>
+            <a:prstGeom prst="ellipse">
+              <a:avLst/>
+            </a:prstGeom>
+            <a:solidFill>
+              <a:schemeClr val="bg1">
+                <a:lumMod val="85000"/>
+              </a:schemeClr>
+            </a:solidFill>
+          </p:spPr>
+          <p:style>
+            <a:lnRef idx="1">
+              <a:schemeClr val="accent3"/>
+            </a:lnRef>
+            <a:fillRef idx="2">
+              <a:schemeClr val="accent3"/>
+            </a:fillRef>
+            <a:effectRef idx="1">
+              <a:schemeClr val="accent3"/>
+            </a:effectRef>
+            <a:fontRef idx="minor">
+              <a:schemeClr val="dk1"/>
+            </a:fontRef>
+          </p:style>
+          <p:txBody>
+            <a:bodyPr rtlCol="0" anchor="ctr"/>
+            <a:lstStyle/>
+            <a:p>
+              <a:pPr algn="ctr"/>
+              <a:endParaRPr lang="ko-KR" altLang="en-US"/>
+            </a:p>
+          </p:txBody>
+        </p:sp>
+        <p:sp>
+          <p:nvSpPr>
+            <p:cNvPr id="11" name="TextBox 10">
+              <a:extLst>
+                <a:ext uri="{FF2B5EF4-FFF2-40B4-BE49-F238E27FC236}">
+                  <a16:creationId xmlns:a16="http://schemas.microsoft.com/office/drawing/2014/main" id="{D5DF4458-3EEF-44BD-9DD1-3EF273CF8A0B}"/>
+                </a:ext>
+              </a:extLst>
+            </p:cNvPr>
+            <p:cNvSpPr txBox="1"/>
+            <p:nvPr/>
+          </p:nvSpPr>
+          <p:spPr>
+            <a:xfrm>
+              <a:off x="6870584" y="3253743"/>
+              <a:ext cx="2258821" cy="584775"/>
+            </a:xfrm>
+            <a:prstGeom prst="rect">
+              <a:avLst/>
+            </a:prstGeom>
+            <a:solidFill>
+              <a:schemeClr val="bg1"/>
+            </a:solidFill>
+            <a:ln>
+              <a:solidFill>
+                <a:srgbClr val="7030A0"/>
+              </a:solidFill>
+            </a:ln>
+          </p:spPr>
+          <p:txBody>
+            <a:bodyPr wrap="square" rtlCol="0">
+              <a:spAutoFit/>
+            </a:bodyPr>
+            <a:lstStyle/>
+            <a:p>
+              <a:r>
+                <a:rPr lang="ko-KR" altLang="en-US" sz="1600" dirty="0"/>
+                <a:t>공유 폴더의 </a:t>
+              </a:r>
+              <a:endParaRPr lang="en-US" altLang="ko-KR" sz="1600" dirty="0"/>
+            </a:p>
+            <a:p>
+              <a:r>
+                <a:rPr lang="ko-KR" altLang="en-US" sz="1600" dirty="0"/>
+                <a:t>사진에서 의상 추출</a:t>
+              </a:r>
+            </a:p>
+          </p:txBody>
+        </p:sp>
+        <p:pic>
+          <p:nvPicPr>
+            <p:cNvPr id="1030" name="Picture 6" descr="opencvì ëí ì´ë¯¸ì§ ê²ìê²°ê³¼">
+              <a:extLst>
+                <a:ext uri="{FF2B5EF4-FFF2-40B4-BE49-F238E27FC236}">
+                  <a16:creationId xmlns:a16="http://schemas.microsoft.com/office/drawing/2014/main" id="{F8153352-E8B6-4429-8518-6CB3FE2ED737}"/>
+                </a:ext>
+              </a:extLst>
+            </p:cNvPr>
+            <p:cNvPicPr>
+              <a:picLocks noChangeAspect="1" noChangeArrowheads="1"/>
+            </p:cNvPicPr>
+            <p:nvPr/>
+          </p:nvPicPr>
+          <p:blipFill>
+            <a:blip r:embed="rId9" cstate="hqprint">
+              <a:extLst>
+                <a:ext uri="{28A0092B-C50C-407E-A947-70E740481C1C}">
+                  <a14:useLocalDpi xmlns:a14="http://schemas.microsoft.com/office/drawing/2010/main" val="0"/>
+                </a:ext>
+              </a:extLst>
+            </a:blip>
+            <a:srcRect/>
+            <a:stretch>
+              <a:fillRect/>
+            </a:stretch>
+          </p:blipFill>
+          <p:spPr bwMode="auto">
+            <a:xfrm>
+              <a:off x="8742768" y="3345660"/>
+              <a:ext cx="347100" cy="427565"/>
+            </a:xfrm>
+            <a:prstGeom prst="rect">
+              <a:avLst/>
+            </a:prstGeom>
+            <a:noFill/>
+            <a:extLst>
+              <a:ext uri="{909E8E84-426E-40DD-AFC4-6F175D3DCCD1}">
+                <a14:hiddenFill xmlns:a14="http://schemas.microsoft.com/office/drawing/2010/main">
+                  <a:solidFill>
+                    <a:srgbClr val="FFFFFF"/>
+                  </a:solidFill>
+                </a14:hiddenFill>
+              </a:ext>
+            </a:extLst>
+          </p:spPr>
+        </p:pic>
+        <p:sp>
+          <p:nvSpPr>
+            <p:cNvPr id="19" name="TextBox 18">
+              <a:extLst>
+                <a:ext uri="{FF2B5EF4-FFF2-40B4-BE49-F238E27FC236}">
+                  <a16:creationId xmlns:a16="http://schemas.microsoft.com/office/drawing/2014/main" id="{6D49CE9E-E338-472E-B33D-7F67D1F2BBFE}"/>
+                </a:ext>
+              </a:extLst>
+            </p:cNvPr>
+            <p:cNvSpPr txBox="1"/>
+            <p:nvPr/>
+          </p:nvSpPr>
+          <p:spPr>
+            <a:xfrm>
+              <a:off x="8323407" y="2390915"/>
+              <a:ext cx="497252" cy="369332"/>
+            </a:xfrm>
+            <a:prstGeom prst="rect">
+              <a:avLst/>
+            </a:prstGeom>
+            <a:noFill/>
+          </p:spPr>
+          <p:txBody>
+            <a:bodyPr wrap="none" rtlCol="0">
+              <a:spAutoFit/>
+            </a:bodyPr>
+            <a:lstStyle/>
+            <a:p>
+              <a:r>
+                <a:rPr lang="en-US" altLang="ko-KR" b="1" dirty="0"/>
+                <a:t>AR</a:t>
+              </a:r>
+              <a:endParaRPr lang="ko-KR" altLang="en-US" b="1" dirty="0"/>
+            </a:p>
+          </p:txBody>
+        </p:sp>
+        <p:sp>
+          <p:nvSpPr>
+            <p:cNvPr id="22" name="TextBox 21">
+              <a:extLst>
+                <a:ext uri="{FF2B5EF4-FFF2-40B4-BE49-F238E27FC236}">
+                  <a16:creationId xmlns:a16="http://schemas.microsoft.com/office/drawing/2014/main" id="{8C729AE2-B767-4BD1-9F76-A8B3731E2B8D}"/>
+                </a:ext>
+              </a:extLst>
+            </p:cNvPr>
+            <p:cNvSpPr txBox="1"/>
+            <p:nvPr/>
+          </p:nvSpPr>
+          <p:spPr>
+            <a:xfrm>
+              <a:off x="10124597" y="1588967"/>
+              <a:ext cx="1747007" cy="369332"/>
+            </a:xfrm>
+            <a:prstGeom prst="rect">
+              <a:avLst/>
+            </a:prstGeom>
+            <a:solidFill>
+              <a:schemeClr val="bg1"/>
+            </a:solidFill>
+            <a:ln>
+              <a:solidFill>
+                <a:srgbClr val="7030A0"/>
+              </a:solidFill>
+            </a:ln>
+          </p:spPr>
+          <p:txBody>
+            <a:bodyPr wrap="square" rtlCol="0">
+              <a:spAutoFit/>
+            </a:bodyPr>
+            <a:lstStyle/>
+            <a:p>
+              <a:r>
+                <a:rPr lang="ko-KR" altLang="en-US" dirty="0"/>
+                <a:t>손 인식 및 </a:t>
+              </a:r>
+              <a:r>
+                <a:rPr lang="en-US" altLang="ko-KR" dirty="0"/>
+                <a:t>GUI</a:t>
+              </a:r>
+              <a:endParaRPr lang="ko-KR" altLang="en-US" dirty="0"/>
+            </a:p>
+          </p:txBody>
+        </p:sp>
+        <p:pic>
+          <p:nvPicPr>
+            <p:cNvPr id="1032" name="Picture 8" descr=".netì ëí ì´ë¯¸ì§ ê²ìê²°ê³¼">
+              <a:extLst>
+                <a:ext uri="{FF2B5EF4-FFF2-40B4-BE49-F238E27FC236}">
+                  <a16:creationId xmlns:a16="http://schemas.microsoft.com/office/drawing/2014/main" id="{22B0A959-2D34-4A0F-BB02-A8BAFD7F2D34}"/>
+                </a:ext>
+              </a:extLst>
+            </p:cNvPr>
+            <p:cNvPicPr>
+              <a:picLocks noChangeAspect="1" noChangeArrowheads="1"/>
+            </p:cNvPicPr>
+            <p:nvPr/>
+          </p:nvPicPr>
+          <p:blipFill>
+            <a:blip r:embed="rId10" cstate="hqprint">
+              <a:extLst>
+                <a:ext uri="{28A0092B-C50C-407E-A947-70E740481C1C}">
+                  <a14:useLocalDpi xmlns:a14="http://schemas.microsoft.com/office/drawing/2010/main" val="0"/>
+                </a:ext>
+              </a:extLst>
+            </a:blip>
+            <a:srcRect/>
+            <a:stretch>
+              <a:fillRect/>
+            </a:stretch>
+          </p:blipFill>
+          <p:spPr bwMode="auto">
+            <a:xfrm>
+              <a:off x="11733482" y="1338136"/>
+              <a:ext cx="398027" cy="398027"/>
+            </a:xfrm>
+            <a:prstGeom prst="rect">
+              <a:avLst/>
+            </a:prstGeom>
+            <a:noFill/>
+            <a:extLst>
+              <a:ext uri="{909E8E84-426E-40DD-AFC4-6F175D3DCCD1}">
+                <a14:hiddenFill xmlns:a14="http://schemas.microsoft.com/office/drawing/2010/main">
+                  <a:solidFill>
+                    <a:srgbClr val="FFFFFF"/>
+                  </a:solidFill>
+                </a14:hiddenFill>
+              </a:ext>
+            </a:extLst>
+          </p:spPr>
+        </p:pic>
+        <p:pic>
+          <p:nvPicPr>
+            <p:cNvPr id="15" name="그래픽 14" descr="남자">
+              <a:extLst>
+                <a:ext uri="{FF2B5EF4-FFF2-40B4-BE49-F238E27FC236}">
+                  <a16:creationId xmlns:a16="http://schemas.microsoft.com/office/drawing/2014/main" id="{11163396-7AFE-4945-963E-37C2A61A0357}"/>
+                </a:ext>
+              </a:extLst>
+            </p:cNvPr>
+            <p:cNvPicPr>
+              <a:picLocks noChangeAspect="1"/>
+            </p:cNvPicPr>
+            <p:nvPr/>
+          </p:nvPicPr>
+          <p:blipFill>
+            <a:blip r:embed="rId3">
+              <a:extLst>
+                <a:ext uri="{28A0092B-C50C-407E-A947-70E740481C1C}">
+                  <a14:useLocalDpi xmlns:a14="http://schemas.microsoft.com/office/drawing/2010/main" val="0"/>
+                </a:ext>
+                <a:ext uri="{96DAC541-7B7A-43D3-8B79-37D633B846F1}">
+                  <asvg:svgBlip xmlns:asvg="http://schemas.microsoft.com/office/drawing/2016/SVG/main" r:embed="rId4"/>
+                </a:ext>
+              </a:extLst>
+            </a:blip>
+            <a:stretch>
+              <a:fillRect/>
+            </a:stretch>
+          </p:blipFill>
+          <p:spPr>
+            <a:xfrm>
+              <a:off x="9045339" y="1994051"/>
+              <a:ext cx="1747006" cy="1747006"/>
+            </a:xfrm>
+            <a:prstGeom prst="rect">
+              <a:avLst/>
+            </a:prstGeom>
+          </p:spPr>
+        </p:pic>
+        <p:sp>
+          <p:nvSpPr>
+            <p:cNvPr id="13" name="타원 12">
+              <a:extLst>
+                <a:ext uri="{FF2B5EF4-FFF2-40B4-BE49-F238E27FC236}">
+                  <a16:creationId xmlns:a16="http://schemas.microsoft.com/office/drawing/2014/main" id="{075EFD06-4E4A-490A-BF4B-F58F5AF5301C}"/>
+                </a:ext>
+              </a:extLst>
+            </p:cNvPr>
+            <p:cNvSpPr/>
+            <p:nvPr/>
+          </p:nvSpPr>
+          <p:spPr>
+            <a:xfrm>
+              <a:off x="10159156" y="2819318"/>
+              <a:ext cx="298858" cy="298858"/>
+            </a:xfrm>
+            <a:prstGeom prst="ellipse">
+              <a:avLst/>
+            </a:prstGeom>
+            <a:noFill/>
+            <a:ln w="38100" cap="flat" cmpd="sng" algn="ctr">
+              <a:solidFill>
+                <a:srgbClr val="FF0000"/>
+              </a:solidFill>
+              <a:prstDash val="solid"/>
+              <a:round/>
+              <a:headEnd type="none" w="med" len="med"/>
+              <a:tailEnd type="none" w="med" len="med"/>
+            </a:ln>
+          </p:spPr>
+          <p:style>
+            <a:lnRef idx="0">
+              <a:scrgbClr r="0" g="0" b="0"/>
+            </a:lnRef>
+            <a:fillRef idx="0">
+              <a:scrgbClr r="0" g="0" b="0"/>
+            </a:fillRef>
+            <a:effectRef idx="0">
+              <a:scrgbClr r="0" g="0" b="0"/>
+            </a:effectRef>
+            <a:fontRef idx="minor">
+              <a:schemeClr val="accent2"/>
+            </a:fontRef>
+          </p:style>
+          <p:txBody>
+            <a:bodyPr rtlCol="0" anchor="ctr"/>
+            <a:lstStyle/>
+            <a:p>
+              <a:pPr algn="ctr"/>
+              <a:endParaRPr lang="ko-KR" altLang="en-US"/>
+            </a:p>
+          </p:txBody>
+        </p:sp>
+        <p:pic>
+          <p:nvPicPr>
+            <p:cNvPr id="27" name="그래픽 26" descr="셔츠">
+              <a:extLst>
+                <a:ext uri="{FF2B5EF4-FFF2-40B4-BE49-F238E27FC236}">
+                  <a16:creationId xmlns:a16="http://schemas.microsoft.com/office/drawing/2014/main" id="{96FF38DD-0A0F-43D2-895F-11C574B1C89B}"/>
+                </a:ext>
+              </a:extLst>
+            </p:cNvPr>
+            <p:cNvPicPr>
+              <a:picLocks noChangeAspect="1"/>
+            </p:cNvPicPr>
+            <p:nvPr/>
+          </p:nvPicPr>
+          <p:blipFill>
+            <a:blip r:embed="rId11" cstate="hqprint">
+              <a:extLst>
+                <a:ext uri="{28A0092B-C50C-407E-A947-70E740481C1C}">
+                  <a14:useLocalDpi xmlns:a14="http://schemas.microsoft.com/office/drawing/2010/main" val="0"/>
+                </a:ext>
+                <a:ext uri="{96DAC541-7B7A-43D3-8B79-37D633B846F1}">
+                  <asvg:svgBlip xmlns:asvg="http://schemas.microsoft.com/office/drawing/2016/SVG/main" r:embed="rId12"/>
+                </a:ext>
+              </a:extLst>
+            </a:blip>
+            <a:stretch>
+              <a:fillRect/>
+            </a:stretch>
+          </p:blipFill>
+          <p:spPr>
+            <a:xfrm>
+              <a:off x="9465104" y="2308113"/>
+              <a:ext cx="914400" cy="914400"/>
+            </a:xfrm>
+            <a:prstGeom prst="rect">
+              <a:avLst/>
+            </a:prstGeom>
+          </p:spPr>
+        </p:pic>
+        <p:pic>
+          <p:nvPicPr>
+            <p:cNvPr id="3" name="그래픽 2" descr="열린 폴더">
+              <a:extLst>
+                <a:ext uri="{FF2B5EF4-FFF2-40B4-BE49-F238E27FC236}">
+                  <a16:creationId xmlns:a16="http://schemas.microsoft.com/office/drawing/2014/main" id="{138B1A4E-01D6-44A4-B1B9-15EE739B2707}"/>
+                </a:ext>
+              </a:extLst>
+            </p:cNvPr>
+            <p:cNvPicPr>
+              <a:picLocks noChangeAspect="1"/>
+            </p:cNvPicPr>
+            <p:nvPr/>
+          </p:nvPicPr>
+          <p:blipFill>
+            <a:blip r:embed="rId13">
+              <a:extLst>
+                <a:ext uri="{28A0092B-C50C-407E-A947-70E740481C1C}">
+                  <a14:useLocalDpi xmlns:a14="http://schemas.microsoft.com/office/drawing/2010/main" val="0"/>
+                </a:ext>
+                <a:ext uri="{96DAC541-7B7A-43D3-8B79-37D633B846F1}">
+                  <asvg:svgBlip xmlns:asvg="http://schemas.microsoft.com/office/drawing/2016/SVG/main" r:embed="rId14"/>
+                </a:ext>
+              </a:extLst>
+            </a:blip>
+            <a:stretch>
+              <a:fillRect/>
+            </a:stretch>
+          </p:blipFill>
+          <p:spPr>
+            <a:xfrm>
+              <a:off x="4516499" y="1966719"/>
+              <a:ext cx="914400" cy="914400"/>
+            </a:xfrm>
+            <a:prstGeom prst="rect">
+              <a:avLst/>
+            </a:prstGeom>
+          </p:spPr>
+        </p:pic>
+        <p:sp>
+          <p:nvSpPr>
+            <p:cNvPr id="35" name="TextBox 34">
+              <a:extLst>
+                <a:ext uri="{FF2B5EF4-FFF2-40B4-BE49-F238E27FC236}">
+                  <a16:creationId xmlns:a16="http://schemas.microsoft.com/office/drawing/2014/main" id="{247A413B-0E02-421F-9B5D-918F6B800171}"/>
+                </a:ext>
+              </a:extLst>
+            </p:cNvPr>
+            <p:cNvSpPr txBox="1"/>
+            <p:nvPr/>
+          </p:nvSpPr>
+          <p:spPr>
+            <a:xfrm>
+              <a:off x="4300519" y="3010692"/>
+              <a:ext cx="1850186" cy="1077218"/>
+            </a:xfrm>
+            <a:prstGeom prst="rect">
+              <a:avLst/>
+            </a:prstGeom>
+            <a:solidFill>
+              <a:schemeClr val="bg1"/>
+            </a:solidFill>
+            <a:ln>
+              <a:solidFill>
+                <a:srgbClr val="7030A0"/>
+              </a:solidFill>
+            </a:ln>
+          </p:spPr>
+          <p:txBody>
+            <a:bodyPr wrap="square" rtlCol="0">
+              <a:spAutoFit/>
+            </a:bodyPr>
+            <a:lstStyle/>
+            <a:p>
+              <a:r>
+                <a:rPr lang="ko-KR" altLang="en-US" sz="1600" b="1" dirty="0"/>
+                <a:t>공유 폴더</a:t>
+              </a:r>
+              <a:endParaRPr lang="en-US" altLang="ko-KR" sz="1600" b="1" dirty="0"/>
+            </a:p>
+            <a:p>
+              <a:r>
+                <a:rPr lang="en-US" altLang="ko-KR" sz="1600" dirty="0"/>
+                <a:t>-Storage </a:t>
+              </a:r>
+            </a:p>
+            <a:p>
+              <a:r>
+                <a:rPr lang="en-US" altLang="ko-KR" sz="1600" dirty="0"/>
+                <a:t> </a:t>
+              </a:r>
+              <a:r>
+                <a:rPr lang="ko-KR" altLang="en-US" sz="1600" dirty="0"/>
+                <a:t>사진 동기화</a:t>
+              </a:r>
+              <a:endParaRPr lang="en-US" altLang="ko-KR" sz="1600" dirty="0"/>
+            </a:p>
+            <a:p>
+              <a:r>
+                <a:rPr lang="en-US" altLang="ko-KR" sz="1600" dirty="0"/>
+                <a:t>-</a:t>
+              </a:r>
+              <a:r>
+                <a:rPr lang="ko-KR" altLang="en-US" sz="1600" dirty="0"/>
+                <a:t>편집된 사진 저장</a:t>
+              </a:r>
+              <a:endParaRPr lang="en-US" altLang="ko-KR" sz="1600" dirty="0"/>
+            </a:p>
+          </p:txBody>
+        </p:sp>
+        <p:sp>
+          <p:nvSpPr>
+            <p:cNvPr id="39" name="화살표: 오른쪽 38">
+              <a:extLst>
+                <a:ext uri="{FF2B5EF4-FFF2-40B4-BE49-F238E27FC236}">
+                  <a16:creationId xmlns:a16="http://schemas.microsoft.com/office/drawing/2014/main" id="{B4675ABC-03F7-4135-9399-16110047BD60}"/>
+                </a:ext>
+              </a:extLst>
+            </p:cNvPr>
+            <p:cNvSpPr/>
+            <p:nvPr/>
+          </p:nvSpPr>
+          <p:spPr>
+            <a:xfrm flipH="1">
+              <a:off x="5724011" y="2149771"/>
+              <a:ext cx="510261" cy="316684"/>
+            </a:xfrm>
+            <a:prstGeom prst="rightArrow">
+              <a:avLst/>
+            </a:prstGeom>
+          </p:spPr>
+          <p:style>
+            <a:lnRef idx="2">
+              <a:schemeClr val="dk1">
+                <a:shade val="50000"/>
+              </a:schemeClr>
+            </a:lnRef>
+            <a:fillRef idx="1">
+              <a:schemeClr val="dk1"/>
+            </a:fillRef>
+            <a:effectRef idx="0">
+              <a:schemeClr val="dk1"/>
+            </a:effectRef>
+            <a:fontRef idx="minor">
+              <a:schemeClr val="lt1"/>
+            </a:fontRef>
+          </p:style>
+          <p:txBody>
+            <a:bodyPr rtlCol="0" anchor="ctr"/>
+            <a:lstStyle/>
+            <a:p>
+              <a:pPr algn="ctr"/>
+              <a:endParaRPr lang="ko-KR" altLang="en-US"/>
+            </a:p>
+          </p:txBody>
+        </p:sp>
+        <p:sp>
+          <p:nvSpPr>
+            <p:cNvPr id="41" name="화살표: 오른쪽 40">
+              <a:extLst>
+                <a:ext uri="{FF2B5EF4-FFF2-40B4-BE49-F238E27FC236}">
+                  <a16:creationId xmlns:a16="http://schemas.microsoft.com/office/drawing/2014/main" id="{BA5FEDD2-094E-401E-954D-6F522B073D4C}"/>
+                </a:ext>
+              </a:extLst>
+            </p:cNvPr>
+            <p:cNvSpPr/>
+            <p:nvPr/>
+          </p:nvSpPr>
+          <p:spPr>
+            <a:xfrm>
+              <a:off x="5721129" y="2457858"/>
+              <a:ext cx="517484" cy="316684"/>
+            </a:xfrm>
+            <a:prstGeom prst="rightArrow">
+              <a:avLst/>
+            </a:prstGeom>
+          </p:spPr>
+          <p:style>
+            <a:lnRef idx="2">
+              <a:schemeClr val="dk1">
+                <a:shade val="50000"/>
+              </a:schemeClr>
+            </a:lnRef>
+            <a:fillRef idx="1">
+              <a:schemeClr val="dk1"/>
+            </a:fillRef>
+            <a:effectRef idx="0">
+              <a:schemeClr val="dk1"/>
+            </a:effectRef>
+            <a:fontRef idx="minor">
+              <a:schemeClr val="lt1"/>
+            </a:fontRef>
+          </p:style>
+          <p:txBody>
+            <a:bodyPr rtlCol="0" anchor="ctr"/>
+            <a:lstStyle/>
+            <a:p>
+              <a:pPr algn="ctr"/>
+              <a:endParaRPr lang="ko-KR" altLang="en-US"/>
+            </a:p>
+          </p:txBody>
+        </p:sp>
+        <p:cxnSp>
+          <p:nvCxnSpPr>
+            <p:cNvPr id="33" name="직선 화살표 연결선 32">
+              <a:extLst>
+                <a:ext uri="{FF2B5EF4-FFF2-40B4-BE49-F238E27FC236}">
+                  <a16:creationId xmlns:a16="http://schemas.microsoft.com/office/drawing/2014/main" id="{83D32748-36A7-4189-A479-8254156F055F}"/>
+                </a:ext>
+              </a:extLst>
+            </p:cNvPr>
+            <p:cNvCxnSpPr>
+              <a:cxnSpLocks/>
+            </p:cNvCxnSpPr>
+            <p:nvPr/>
+          </p:nvCxnSpPr>
+          <p:spPr>
+            <a:xfrm flipV="1">
+              <a:off x="10312346" y="1949175"/>
+              <a:ext cx="204677" cy="1030124"/>
+            </a:xfrm>
+            <a:prstGeom prst="straightConnector1">
+              <a:avLst/>
+            </a:prstGeom>
+            <a:ln w="38100">
+              <a:solidFill>
+                <a:srgbClr val="FF0000"/>
+              </a:solidFill>
+              <a:tailEnd type="triangle"/>
+            </a:ln>
+          </p:spPr>
+          <p:style>
+            <a:lnRef idx="1">
+              <a:schemeClr val="accent2"/>
+            </a:lnRef>
+            <a:fillRef idx="0">
+              <a:schemeClr val="accent2"/>
+            </a:fillRef>
+            <a:effectRef idx="0">
+              <a:schemeClr val="accent2"/>
+            </a:effectRef>
+            <a:fontRef idx="minor">
+              <a:schemeClr val="tx1"/>
+            </a:fontRef>
+          </p:style>
+        </p:cxnSp>
+        <p:sp>
+          <p:nvSpPr>
+            <p:cNvPr id="45" name="TextBox 44">
+              <a:extLst>
+                <a:ext uri="{FF2B5EF4-FFF2-40B4-BE49-F238E27FC236}">
+                  <a16:creationId xmlns:a16="http://schemas.microsoft.com/office/drawing/2014/main" id="{7B5E51E0-BCDD-484D-8C0B-53C06D249959}"/>
+                </a:ext>
+              </a:extLst>
+            </p:cNvPr>
+            <p:cNvSpPr txBox="1"/>
+            <p:nvPr/>
+          </p:nvSpPr>
+          <p:spPr>
+            <a:xfrm>
+              <a:off x="4360222" y="420536"/>
+              <a:ext cx="2510362" cy="646331"/>
+            </a:xfrm>
+            <a:prstGeom prst="rect">
+              <a:avLst/>
+            </a:prstGeom>
+            <a:noFill/>
+          </p:spPr>
+          <p:txBody>
+            <a:bodyPr wrap="square" rtlCol="0">
+              <a:spAutoFit/>
+            </a:bodyPr>
+            <a:lstStyle/>
+            <a:p>
+              <a:r>
+                <a:rPr lang="en-US" altLang="ko-KR" b="1" dirty="0"/>
+                <a:t>My AR Closet Windows Program</a:t>
+              </a:r>
+              <a:endParaRPr lang="ko-KR" altLang="en-US" b="1" dirty="0"/>
+            </a:p>
+          </p:txBody>
+        </p:sp>
+        <p:pic>
+          <p:nvPicPr>
+            <p:cNvPr id="20" name="Picture 6" descr="opencvì ëí ì´ë¯¸ì§ ê²ìê²°ê³¼">
+              <a:extLst>
+                <a:ext uri="{FF2B5EF4-FFF2-40B4-BE49-F238E27FC236}">
+                  <a16:creationId xmlns:a16="http://schemas.microsoft.com/office/drawing/2014/main" id="{9D9E0941-9D5C-4D22-A718-45C46D8A9717}"/>
+                </a:ext>
+              </a:extLst>
+            </p:cNvPr>
+            <p:cNvPicPr>
+              <a:picLocks noChangeAspect="1" noChangeArrowheads="1"/>
+            </p:cNvPicPr>
+            <p:nvPr/>
+          </p:nvPicPr>
+          <p:blipFill>
+            <a:blip r:embed="rId15" cstate="hqprint">
+              <a:extLst>
+                <a:ext uri="{28A0092B-C50C-407E-A947-70E740481C1C}">
+                  <a14:useLocalDpi xmlns:a14="http://schemas.microsoft.com/office/drawing/2010/main" val="0"/>
+                </a:ext>
+              </a:extLst>
+            </a:blip>
+            <a:srcRect/>
+            <a:stretch>
+              <a:fillRect/>
+            </a:stretch>
+          </p:blipFill>
+          <p:spPr bwMode="auto">
+            <a:xfrm>
+              <a:off x="9881266" y="1571238"/>
+              <a:ext cx="354485" cy="436662"/>
+            </a:xfrm>
+            <a:prstGeom prst="rect">
+              <a:avLst/>
+            </a:prstGeom>
+            <a:noFill/>
+            <a:extLst>
+              <a:ext uri="{909E8E84-426E-40DD-AFC4-6F175D3DCCD1}">
+                <a14:hiddenFill xmlns:a14="http://schemas.microsoft.com/office/drawing/2010/main">
+                  <a:solidFill>
+                    <a:srgbClr val="FFFFFF"/>
+                  </a:solidFill>
+                </a14:hiddenFill>
+              </a:ext>
+            </a:extLst>
+          </p:spPr>
+        </p:pic>
+      </p:grpSp>
+      <p:cxnSp>
+        <p:nvCxnSpPr>
+          <p:cNvPr id="1038" name="연결선: 꺾임 1037">
+            <a:extLst>
+              <a:ext uri="{FF2B5EF4-FFF2-40B4-BE49-F238E27FC236}">
+                <a16:creationId xmlns:a16="http://schemas.microsoft.com/office/drawing/2014/main" id="{F0279FB4-A687-4C81-8688-E2D9357DECB1}"/>
+              </a:ext>
+            </a:extLst>
+          </p:cNvPr>
+          <p:cNvCxnSpPr>
+            <a:cxnSpLocks/>
+          </p:cNvCxnSpPr>
+          <p:nvPr/>
+        </p:nvCxnSpPr>
         <p:spPr>
-          <a:xfrm>
-            <a:off x="6023295" y="3053593"/>
-            <a:ext cx="2203558" cy="356876"/>
+          <a:xfrm rot="10800000" flipV="1">
+            <a:off x="1382913" y="2311931"/>
+            <a:ext cx="1860288" cy="611208"/>
           </a:xfrm>
-          <a:prstGeom prst="rightArrow">
+          <a:prstGeom prst="bentConnector2">
             <a:avLst/>
           </a:prstGeom>
+          <a:ln w="127000">
+            <a:solidFill>
+              <a:schemeClr val="accent2"/>
+            </a:solidFill>
+            <a:headEnd type="triangle"/>
+            <a:tailEnd type="triangle"/>
+          </a:ln>
         </p:spPr>
         <p:style>
           <a:lnRef idx="1">
-            <a:schemeClr val="dk1"/>
+            <a:schemeClr val="accent1"/>
           </a:lnRef>
-          <a:fillRef idx="3">
-            <a:schemeClr val="dk1"/>
+          <a:fillRef idx="0">
+            <a:schemeClr val="accent1"/>
           </a:fillRef>
-          <a:effectRef idx="2">
-            <a:schemeClr val="dk1"/>
+          <a:effectRef idx="0">
+            <a:schemeClr val="accent1"/>
           </a:effectRef>
           <a:fontRef idx="minor">
-            <a:schemeClr val="lt1"/>
+            <a:schemeClr val="tx1"/>
           </a:fontRef>
         </p:style>
-        <p:txBody>
-          <a:bodyPr rtlCol="0" anchor="ctr"/>
-          <a:lstStyle/>
-          <a:p>
-            <a:pPr algn="ctr"/>
-            <a:endParaRPr lang="ko-KR" altLang="en-US"/>
-          </a:p>
-        </p:txBody>
-      </p:sp>
+      </p:cxnSp>
+      <p:cxnSp>
+        <p:nvCxnSpPr>
+          <p:cNvPr id="1040" name="연결선: 꺾임 1039">
+            <a:extLst>
+              <a:ext uri="{FF2B5EF4-FFF2-40B4-BE49-F238E27FC236}">
+                <a16:creationId xmlns:a16="http://schemas.microsoft.com/office/drawing/2014/main" id="{3602E234-769C-46E6-8635-766B6C757861}"/>
+              </a:ext>
+            </a:extLst>
+          </p:cNvPr>
+          <p:cNvCxnSpPr>
+            <a:cxnSpLocks/>
+            <a:stCxn id="1028" idx="1"/>
+          </p:cNvCxnSpPr>
+          <p:nvPr/>
+        </p:nvCxnSpPr>
+        <p:spPr>
+          <a:xfrm rot="10800000">
+            <a:off x="2525478" y="5758825"/>
+            <a:ext cx="2467827" cy="1"/>
+          </a:xfrm>
+          <a:prstGeom prst="bentConnector3">
+            <a:avLst>
+              <a:gd name="adj1" fmla="val 50000"/>
+            </a:avLst>
+          </a:prstGeom>
+          <a:ln w="127000">
+            <a:solidFill>
+              <a:schemeClr val="accent2"/>
+            </a:solidFill>
+            <a:headEnd type="triangle"/>
+            <a:tailEnd type="triangle"/>
+          </a:ln>
+        </p:spPr>
+        <p:style>
+          <a:lnRef idx="1">
+            <a:schemeClr val="accent1"/>
+          </a:lnRef>
+          <a:fillRef idx="0">
+            <a:schemeClr val="accent1"/>
+          </a:fillRef>
+          <a:effectRef idx="0">
+            <a:schemeClr val="accent1"/>
+          </a:effectRef>
+          <a:fontRef idx="minor">
+            <a:schemeClr val="tx1"/>
+          </a:fontRef>
+        </p:style>
+      </p:cxnSp>
+      <p:cxnSp>
+        <p:nvCxnSpPr>
+          <p:cNvPr id="87" name="연결선: 꺾임 86">
+            <a:extLst>
+              <a:ext uri="{FF2B5EF4-FFF2-40B4-BE49-F238E27FC236}">
+                <a16:creationId xmlns:a16="http://schemas.microsoft.com/office/drawing/2014/main" id="{0F00B188-6AB2-4B90-AAF6-400D961F2A14}"/>
+              </a:ext>
+            </a:extLst>
+          </p:cNvPr>
+          <p:cNvCxnSpPr>
+            <a:cxnSpLocks/>
+          </p:cNvCxnSpPr>
+          <p:nvPr/>
+        </p:nvCxnSpPr>
+        <p:spPr>
+          <a:xfrm>
+            <a:off x="9856131" y="2454170"/>
+            <a:ext cx="1331572" cy="876403"/>
+          </a:xfrm>
+          <a:prstGeom prst="bentConnector3">
+            <a:avLst>
+              <a:gd name="adj1" fmla="val 99596"/>
+            </a:avLst>
+          </a:prstGeom>
+          <a:ln w="127000">
+            <a:solidFill>
+              <a:schemeClr val="accent2"/>
+            </a:solidFill>
+            <a:headEnd type="triangle"/>
+            <a:tailEnd type="triangle"/>
+          </a:ln>
+        </p:spPr>
+        <p:style>
+          <a:lnRef idx="1">
+            <a:schemeClr val="accent1"/>
+          </a:lnRef>
+          <a:fillRef idx="0">
+            <a:schemeClr val="accent1"/>
+          </a:fillRef>
+          <a:effectRef idx="0">
+            <a:schemeClr val="accent1"/>
+          </a:effectRef>
+          <a:fontRef idx="minor">
+            <a:schemeClr val="tx1"/>
+          </a:fontRef>
+        </p:style>
+      </p:cxnSp>
+      <p:cxnSp>
+        <p:nvCxnSpPr>
+          <p:cNvPr id="97" name="연결선: 꺾임 96">
+            <a:extLst>
+              <a:ext uri="{FF2B5EF4-FFF2-40B4-BE49-F238E27FC236}">
+                <a16:creationId xmlns:a16="http://schemas.microsoft.com/office/drawing/2014/main" id="{7A796D23-BA32-4599-AD29-BE12A5DC9EBD}"/>
+              </a:ext>
+            </a:extLst>
+          </p:cNvPr>
+          <p:cNvCxnSpPr>
+            <a:cxnSpLocks/>
+            <a:endCxn id="7" idx="2"/>
+          </p:cNvCxnSpPr>
+          <p:nvPr/>
+        </p:nvCxnSpPr>
+        <p:spPr>
+          <a:xfrm flipV="1">
+            <a:off x="7902654" y="5257286"/>
+            <a:ext cx="3285049" cy="550200"/>
+          </a:xfrm>
+          <a:prstGeom prst="bentConnector2">
+            <a:avLst/>
+          </a:prstGeom>
+          <a:ln w="127000">
+            <a:solidFill>
+              <a:schemeClr val="accent2"/>
+            </a:solidFill>
+            <a:headEnd type="triangle"/>
+            <a:tailEnd type="triangle"/>
+          </a:ln>
+        </p:spPr>
+        <p:style>
+          <a:lnRef idx="1">
+            <a:schemeClr val="accent1"/>
+          </a:lnRef>
+          <a:fillRef idx="0">
+            <a:schemeClr val="accent1"/>
+          </a:fillRef>
+          <a:effectRef idx="0">
+            <a:schemeClr val="accent1"/>
+          </a:effectRef>
+          <a:fontRef idx="minor">
+            <a:schemeClr val="tx1"/>
+          </a:fontRef>
+        </p:style>
+      </p:cxnSp>
+    </p:spTree>
+    <p:extLst>
+      <p:ext uri="{BB962C8B-B14F-4D97-AF65-F5344CB8AC3E}">
+        <p14:creationId xmlns:p14="http://schemas.microsoft.com/office/powerpoint/2010/main" val="2118717677"/>
+      </p:ext>
+    </p:extLst>
+  </p:cSld>
+  <p:clrMapOvr>
+    <a:masterClrMapping/>
+  </p:clrMapOvr>
+</p:sld>
+</file>
+
+<file path=ppt/slides/slide2.xml><?xml version="1.0" encoding="utf-8"?>
+<p:sld xmlns:a="http://schemas.openxmlformats.org/drawingml/2006/main" xmlns:r="http://schemas.openxmlformats.org/officeDocument/2006/relationships" xmlns:p="http://schemas.openxmlformats.org/presentationml/2006/main">
+  <p:cSld>
+    <p:spTree>
+      <p:nvGrpSpPr>
+        <p:cNvPr id="1" name=""/>
+        <p:cNvGrpSpPr/>
+        <p:nvPr/>
+      </p:nvGrpSpPr>
+      <p:grpSpPr>
+        <a:xfrm>
+          <a:off x="0" y="0"/>
+          <a:ext cx="0" cy="0"/>
+          <a:chOff x="0" y="0"/>
+          <a:chExt cx="0" cy="0"/>
+        </a:xfrm>
+      </p:grpSpPr>
       <p:pic>
         <p:nvPicPr>
-          <p:cNvPr id="1028" name="Picture 4" descr="firebaseì ëí ì´ë¯¸ì§ ê²ìê²°ê³¼">
-            <a:extLst>
-              <a:ext uri="{FF2B5EF4-FFF2-40B4-BE49-F238E27FC236}">
-                <a16:creationId xmlns:a16="http://schemas.microsoft.com/office/drawing/2014/main" id="{1DCF005D-D749-495E-9E9E-C3B41954DDF3}"/>
+          <p:cNvPr id="4" name="Picture 4" descr="firebaseì ëí ì´ë¯¸ì§ ê²ìê²°ê³¼">
+            <a:extLst>
+              <a:ext uri="{FF2B5EF4-FFF2-40B4-BE49-F238E27FC236}">
+                <a16:creationId xmlns:a16="http://schemas.microsoft.com/office/drawing/2014/main" id="{2D827A61-0FF7-4A2B-95E7-26413B7241A8}"/>
               </a:ext>
             </a:extLst>
           </p:cNvPr>
@@ -3384,7 +5106,7 @@
           </p:cNvPicPr>
           <p:nvPr/>
         </p:nvPicPr>
-        <p:blipFill>
+        <p:blipFill rotWithShape="1">
           <a:blip r:embed="rId2">
             <a:extLst>
               <a:ext uri="{28A0092B-C50C-407E-A947-70E740481C1C}">
@@ -3392,802 +5114,13 @@
               </a:ext>
             </a:extLst>
           </a:blip>
-          <a:srcRect/>
-          <a:stretch>
-            <a:fillRect/>
-          </a:stretch>
+          <a:srcRect l="40055" r="36372"/>
+          <a:stretch/>
         </p:blipFill>
         <p:spPr bwMode="auto">
           <a:xfrm>
-            <a:off x="64421" y="2039925"/>
-            <a:ext cx="3059182" cy="1529591"/>
-          </a:xfrm>
-          <a:prstGeom prst="rect">
-            <a:avLst/>
-          </a:prstGeom>
-          <a:noFill/>
-          <a:extLst>
-            <a:ext uri="{909E8E84-426E-40DD-AFC4-6F175D3DCCD1}">
-              <a14:hiddenFill xmlns:a14="http://schemas.microsoft.com/office/drawing/2010/main">
-                <a:solidFill>
-                  <a:srgbClr val="FFFFFF"/>
-                </a:solidFill>
-              </a14:hiddenFill>
-            </a:ext>
-          </a:extLst>
-        </p:spPr>
-      </p:pic>
-      <p:sp>
-        <p:nvSpPr>
-          <p:cNvPr id="4" name="TextBox 3">
-            <a:extLst>
-              <a:ext uri="{FF2B5EF4-FFF2-40B4-BE49-F238E27FC236}">
-                <a16:creationId xmlns:a16="http://schemas.microsoft.com/office/drawing/2014/main" id="{D88AB5BF-979F-4D17-9A67-009149E96B2E}"/>
-              </a:ext>
-            </a:extLst>
-          </p:cNvPr>
-          <p:cNvSpPr txBox="1"/>
-          <p:nvPr/>
-        </p:nvSpPr>
-        <p:spPr>
-          <a:xfrm>
-            <a:off x="947881" y="3232908"/>
-            <a:ext cx="1681871" cy="1200329"/>
-          </a:xfrm>
-          <a:prstGeom prst="rect">
-            <a:avLst/>
-          </a:prstGeom>
-          <a:noFill/>
-        </p:spPr>
-        <p:txBody>
-          <a:bodyPr wrap="none" rtlCol="0">
-            <a:spAutoFit/>
-          </a:bodyPr>
-          <a:lstStyle/>
-          <a:p>
-            <a:r>
-              <a:rPr lang="en-US" altLang="ko-KR" dirty="0"/>
-              <a:t>APP </a:t>
-            </a:r>
-            <a:r>
-              <a:rPr lang="ko-KR" altLang="en-US" dirty="0"/>
-              <a:t>개발</a:t>
-            </a:r>
-            <a:endParaRPr lang="en-US" altLang="ko-KR" dirty="0"/>
-          </a:p>
-          <a:p>
-            <a:r>
-              <a:rPr lang="en-US" altLang="ko-KR" dirty="0"/>
-              <a:t>-GUI</a:t>
-            </a:r>
-          </a:p>
-          <a:p>
-            <a:r>
-              <a:rPr lang="en-US" altLang="ko-KR" dirty="0"/>
-              <a:t>-Firebase</a:t>
-            </a:r>
-          </a:p>
-          <a:p>
-            <a:r>
-              <a:rPr lang="en-US" altLang="ko-KR" dirty="0"/>
-              <a:t>(</a:t>
-            </a:r>
-            <a:r>
-              <a:rPr lang="ko-KR" altLang="en-US" dirty="0"/>
-              <a:t>로그인</a:t>
-            </a:r>
-            <a:r>
-              <a:rPr lang="en-US" altLang="ko-KR" dirty="0"/>
-              <a:t>,Cloud)</a:t>
-            </a:r>
-          </a:p>
-        </p:txBody>
-      </p:sp>
-      <p:pic>
-        <p:nvPicPr>
-          <p:cNvPr id="5" name="그림 4">
-            <a:extLst>
-              <a:ext uri="{FF2B5EF4-FFF2-40B4-BE49-F238E27FC236}">
-                <a16:creationId xmlns:a16="http://schemas.microsoft.com/office/drawing/2014/main" id="{DAF05A43-27C1-4EC4-96FE-C767F245E0D1}"/>
-              </a:ext>
-            </a:extLst>
-          </p:cNvPr>
-          <p:cNvPicPr>
-            <a:picLocks noChangeAspect="1"/>
-          </p:cNvPicPr>
-          <p:nvPr/>
-        </p:nvPicPr>
-        <p:blipFill>
-          <a:blip r:embed="rId3"/>
-          <a:stretch>
-            <a:fillRect/>
-          </a:stretch>
-        </p:blipFill>
-        <p:spPr>
-          <a:xfrm>
-            <a:off x="3407472" y="2113019"/>
-            <a:ext cx="738188" cy="2219327"/>
-          </a:xfrm>
-          <a:prstGeom prst="rect">
-            <a:avLst/>
-          </a:prstGeom>
-        </p:spPr>
-      </p:pic>
-      <p:pic>
-        <p:nvPicPr>
-          <p:cNvPr id="7" name="그래픽 6" descr="남자">
-            <a:extLst>
-              <a:ext uri="{FF2B5EF4-FFF2-40B4-BE49-F238E27FC236}">
-                <a16:creationId xmlns:a16="http://schemas.microsoft.com/office/drawing/2014/main" id="{256C836B-1574-441A-89D5-EE96B252F970}"/>
-              </a:ext>
-            </a:extLst>
-          </p:cNvPr>
-          <p:cNvPicPr>
-            <a:picLocks noChangeAspect="1"/>
-          </p:cNvPicPr>
-          <p:nvPr/>
-        </p:nvPicPr>
-        <p:blipFill>
-          <a:blip r:embed="rId4">
-            <a:extLst>
-              <a:ext uri="{28A0092B-C50C-407E-A947-70E740481C1C}">
-                <a14:useLocalDpi xmlns:a14="http://schemas.microsoft.com/office/drawing/2010/main" val="0"/>
-              </a:ext>
-              <a:ext uri="{96DAC541-7B7A-43D3-8B79-37D633B846F1}">
-                <asvg:svgBlip xmlns:asvg="http://schemas.microsoft.com/office/drawing/2016/SVG/main" xmlns="" r:embed="rId5"/>
-              </a:ext>
-            </a:extLst>
-          </a:blip>
-          <a:stretch>
-            <a:fillRect/>
-          </a:stretch>
-        </p:blipFill>
-        <p:spPr>
-          <a:xfrm>
-            <a:off x="9921355" y="2397155"/>
-            <a:ext cx="1747006" cy="1747006"/>
-          </a:xfrm>
-          <a:prstGeom prst="rect">
-            <a:avLst/>
-          </a:prstGeom>
-        </p:spPr>
-      </p:pic>
-      <p:pic>
-        <p:nvPicPr>
-          <p:cNvPr id="9" name="그래픽 8" descr="셔츠">
-            <a:extLst>
-              <a:ext uri="{FF2B5EF4-FFF2-40B4-BE49-F238E27FC236}">
-                <a16:creationId xmlns:a16="http://schemas.microsoft.com/office/drawing/2014/main" id="{5CEBE2C9-6B5E-4FB2-8562-D3C3A020AB30}"/>
-              </a:ext>
-            </a:extLst>
-          </p:cNvPr>
-          <p:cNvPicPr>
-            <a:picLocks noChangeAspect="1"/>
-          </p:cNvPicPr>
-          <p:nvPr/>
-        </p:nvPicPr>
-        <p:blipFill>
-          <a:blip r:embed="rId6" cstate="hqprint">
-            <a:extLst>
-              <a:ext uri="{28A0092B-C50C-407E-A947-70E740481C1C}">
-                <a14:useLocalDpi xmlns:a14="http://schemas.microsoft.com/office/drawing/2010/main" val="0"/>
-              </a:ext>
-              <a:ext uri="{96DAC541-7B7A-43D3-8B79-37D633B846F1}">
-                <asvg:svgBlip xmlns:asvg="http://schemas.microsoft.com/office/drawing/2016/SVG/main" xmlns="" r:embed="rId7"/>
-              </a:ext>
-            </a:extLst>
-          </a:blip>
-          <a:stretch>
-            <a:fillRect/>
-          </a:stretch>
-        </p:blipFill>
-        <p:spPr>
-          <a:xfrm>
-            <a:off x="4538024" y="2736907"/>
-            <a:ext cx="914400" cy="914400"/>
-          </a:xfrm>
-          <a:prstGeom prst="rect">
-            <a:avLst/>
-          </a:prstGeom>
-        </p:spPr>
-      </p:pic>
-      <p:sp>
-        <p:nvSpPr>
-          <p:cNvPr id="10" name="화살표: 오른쪽 9">
-            <a:extLst>
-              <a:ext uri="{FF2B5EF4-FFF2-40B4-BE49-F238E27FC236}">
-                <a16:creationId xmlns:a16="http://schemas.microsoft.com/office/drawing/2014/main" id="{84E0053B-E7E9-48F1-8F6B-C255E62C83AF}"/>
-              </a:ext>
-            </a:extLst>
-          </p:cNvPr>
-          <p:cNvSpPr/>
-          <p:nvPr/>
-        </p:nvSpPr>
-        <p:spPr>
-          <a:xfrm>
-            <a:off x="4145660" y="3112316"/>
-            <a:ext cx="392364" cy="316684"/>
-          </a:xfrm>
-          <a:prstGeom prst="rightArrow">
-            <a:avLst/>
-          </a:prstGeom>
-        </p:spPr>
-        <p:style>
-          <a:lnRef idx="2">
-            <a:schemeClr val="dk1">
-              <a:shade val="50000"/>
-            </a:schemeClr>
-          </a:lnRef>
-          <a:fillRef idx="1">
-            <a:schemeClr val="dk1"/>
-          </a:fillRef>
-          <a:effectRef idx="0">
-            <a:schemeClr val="dk1"/>
-          </a:effectRef>
-          <a:fontRef idx="minor">
-            <a:schemeClr val="lt1"/>
-          </a:fontRef>
-        </p:style>
-        <p:txBody>
-          <a:bodyPr rtlCol="0" anchor="ctr"/>
-          <a:lstStyle/>
-          <a:p>
-            <a:pPr algn="ctr"/>
-            <a:endParaRPr lang="ko-KR" altLang="en-US"/>
-          </a:p>
-        </p:txBody>
-      </p:sp>
-      <p:sp>
-        <p:nvSpPr>
-          <p:cNvPr id="11" name="TextBox 10">
-            <a:extLst>
-              <a:ext uri="{FF2B5EF4-FFF2-40B4-BE49-F238E27FC236}">
-                <a16:creationId xmlns:a16="http://schemas.microsoft.com/office/drawing/2014/main" id="{D5DF4458-3EEF-44BD-9DD1-3EF273CF8A0B}"/>
-              </a:ext>
-            </a:extLst>
-          </p:cNvPr>
-          <p:cNvSpPr txBox="1"/>
-          <p:nvPr/>
-        </p:nvSpPr>
-        <p:spPr>
-          <a:xfrm>
-            <a:off x="4112785" y="3746258"/>
-            <a:ext cx="2181138" cy="646331"/>
-          </a:xfrm>
-          <a:prstGeom prst="rect">
-            <a:avLst/>
-          </a:prstGeom>
-          <a:noFill/>
-        </p:spPr>
-        <p:txBody>
-          <a:bodyPr wrap="square" rtlCol="0">
-            <a:spAutoFit/>
-          </a:bodyPr>
-          <a:lstStyle/>
-          <a:p>
-            <a:r>
-              <a:rPr lang="ko-KR" altLang="en-US" dirty="0"/>
-              <a:t>핸드폰으로 촬영한 사진에서 의상 추출</a:t>
-            </a:r>
-          </a:p>
-        </p:txBody>
-      </p:sp>
-      <p:sp>
-        <p:nvSpPr>
-          <p:cNvPr id="12" name="직사각형 11">
-            <a:extLst>
-              <a:ext uri="{FF2B5EF4-FFF2-40B4-BE49-F238E27FC236}">
-                <a16:creationId xmlns:a16="http://schemas.microsoft.com/office/drawing/2014/main" id="{29262C86-0CE9-4C3A-9C63-7BE3DFEA38B2}"/>
-              </a:ext>
-            </a:extLst>
-          </p:cNvPr>
-          <p:cNvSpPr/>
-          <p:nvPr/>
-        </p:nvSpPr>
-        <p:spPr>
-          <a:xfrm>
-            <a:off x="8244658" y="1951014"/>
-            <a:ext cx="1535185" cy="2528936"/>
-          </a:xfrm>
-          <a:prstGeom prst="rect">
-            <a:avLst/>
-          </a:prstGeom>
-        </p:spPr>
-        <p:style>
-          <a:lnRef idx="1">
-            <a:schemeClr val="accent5"/>
-          </a:lnRef>
-          <a:fillRef idx="2">
-            <a:schemeClr val="accent5"/>
-          </a:fillRef>
-          <a:effectRef idx="1">
-            <a:schemeClr val="accent5"/>
-          </a:effectRef>
-          <a:fontRef idx="minor">
-            <a:schemeClr val="dk1"/>
-          </a:fontRef>
-        </p:style>
-        <p:txBody>
-          <a:bodyPr rtlCol="0" anchor="ctr"/>
-          <a:lstStyle/>
-          <a:p>
-            <a:pPr algn="ctr"/>
-            <a:endParaRPr lang="ko-KR" altLang="en-US"/>
-          </a:p>
-        </p:txBody>
-      </p:sp>
-      <p:pic>
-        <p:nvPicPr>
-          <p:cNvPr id="15" name="그래픽 14" descr="남자">
-            <a:extLst>
-              <a:ext uri="{FF2B5EF4-FFF2-40B4-BE49-F238E27FC236}">
-                <a16:creationId xmlns:a16="http://schemas.microsoft.com/office/drawing/2014/main" id="{11163396-7AFE-4945-963E-37C2A61A0357}"/>
-              </a:ext>
-            </a:extLst>
-          </p:cNvPr>
-          <p:cNvPicPr>
-            <a:picLocks noChangeAspect="1"/>
-          </p:cNvPicPr>
-          <p:nvPr/>
-        </p:nvPicPr>
-        <p:blipFill>
-          <a:blip r:embed="rId4">
-            <a:extLst>
-              <a:ext uri="{28A0092B-C50C-407E-A947-70E740481C1C}">
-                <a14:useLocalDpi xmlns:a14="http://schemas.microsoft.com/office/drawing/2010/main" val="0"/>
-              </a:ext>
-              <a:ext uri="{96DAC541-7B7A-43D3-8B79-37D633B846F1}">
-                <asvg:svgBlip xmlns:asvg="http://schemas.microsoft.com/office/drawing/2016/SVG/main" xmlns="" r:embed="rId5"/>
-              </a:ext>
-            </a:extLst>
-          </a:blip>
-          <a:stretch>
-            <a:fillRect/>
-          </a:stretch>
-        </p:blipFill>
-        <p:spPr>
-          <a:xfrm>
-            <a:off x="8138747" y="2397155"/>
-            <a:ext cx="1747006" cy="1747006"/>
-          </a:xfrm>
-          <a:prstGeom prst="rect">
-            <a:avLst/>
-          </a:prstGeom>
-        </p:spPr>
-      </p:pic>
-      <p:sp>
-        <p:nvSpPr>
-          <p:cNvPr id="13" name="타원 12">
-            <a:extLst>
-              <a:ext uri="{FF2B5EF4-FFF2-40B4-BE49-F238E27FC236}">
-                <a16:creationId xmlns:a16="http://schemas.microsoft.com/office/drawing/2014/main" id="{075EFD06-4E4A-490A-BF4B-F58F5AF5301C}"/>
-              </a:ext>
-            </a:extLst>
-          </p:cNvPr>
-          <p:cNvSpPr/>
-          <p:nvPr/>
-        </p:nvSpPr>
-        <p:spPr>
-          <a:xfrm>
-            <a:off x="9252564" y="3222422"/>
-            <a:ext cx="298858" cy="298858"/>
-          </a:xfrm>
-          <a:prstGeom prst="ellipse">
-            <a:avLst/>
-          </a:prstGeom>
-          <a:noFill/>
-          <a:ln w="9525" cap="flat" cmpd="sng" algn="ctr">
-            <a:solidFill>
-              <a:srgbClr val="FF0000"/>
-            </a:solidFill>
-            <a:prstDash val="solid"/>
-            <a:round/>
-            <a:headEnd type="none" w="med" len="med"/>
-            <a:tailEnd type="none" w="med" len="med"/>
-          </a:ln>
-        </p:spPr>
-        <p:style>
-          <a:lnRef idx="0">
-            <a:scrgbClr r="0" g="0" b="0"/>
-          </a:lnRef>
-          <a:fillRef idx="0">
-            <a:scrgbClr r="0" g="0" b="0"/>
-          </a:fillRef>
-          <a:effectRef idx="0">
-            <a:scrgbClr r="0" g="0" b="0"/>
-          </a:effectRef>
-          <a:fontRef idx="minor">
-            <a:schemeClr val="accent2"/>
-          </a:fontRef>
-        </p:style>
-        <p:txBody>
-          <a:bodyPr rtlCol="0" anchor="ctr"/>
-          <a:lstStyle/>
-          <a:p>
-            <a:pPr algn="ctr"/>
-            <a:endParaRPr lang="ko-KR" altLang="en-US"/>
-          </a:p>
-        </p:txBody>
-      </p:sp>
-      <p:sp>
-        <p:nvSpPr>
-          <p:cNvPr id="14" name="직사각형 13">
-            <a:extLst>
-              <a:ext uri="{FF2B5EF4-FFF2-40B4-BE49-F238E27FC236}">
-                <a16:creationId xmlns:a16="http://schemas.microsoft.com/office/drawing/2014/main" id="{3581F61A-32D2-4B98-B03D-3FE397902635}"/>
-              </a:ext>
-            </a:extLst>
-          </p:cNvPr>
-          <p:cNvSpPr/>
-          <p:nvPr/>
-        </p:nvSpPr>
-        <p:spPr>
-          <a:xfrm>
-            <a:off x="9252564" y="1677798"/>
-            <a:ext cx="527279" cy="209725"/>
-          </a:xfrm>
-          <a:prstGeom prst="rect">
-            <a:avLst/>
-          </a:prstGeom>
-        </p:spPr>
-        <p:style>
-          <a:lnRef idx="2">
-            <a:schemeClr val="accent3">
-              <a:shade val="50000"/>
-            </a:schemeClr>
-          </a:lnRef>
-          <a:fillRef idx="1">
-            <a:schemeClr val="accent3"/>
-          </a:fillRef>
-          <a:effectRef idx="0">
-            <a:schemeClr val="accent3"/>
-          </a:effectRef>
-          <a:fontRef idx="minor">
-            <a:schemeClr val="lt1"/>
-          </a:fontRef>
-        </p:style>
-        <p:txBody>
-          <a:bodyPr rtlCol="0" anchor="ctr"/>
-          <a:lstStyle/>
-          <a:p>
-            <a:r>
-              <a:rPr lang="ko-KR" altLang="en-US" sz="900" dirty="0"/>
-              <a:t>카메라</a:t>
-            </a:r>
-          </a:p>
-        </p:txBody>
-      </p:sp>
-      <p:sp>
-        <p:nvSpPr>
-          <p:cNvPr id="16" name="타원 15">
-            <a:extLst>
-              <a:ext uri="{FF2B5EF4-FFF2-40B4-BE49-F238E27FC236}">
-                <a16:creationId xmlns:a16="http://schemas.microsoft.com/office/drawing/2014/main" id="{8B2197A8-7416-4A0C-91F5-7F92B205C550}"/>
-              </a:ext>
-            </a:extLst>
-          </p:cNvPr>
-          <p:cNvSpPr/>
-          <p:nvPr/>
-        </p:nvSpPr>
-        <p:spPr>
-          <a:xfrm>
-            <a:off x="9694379" y="1669409"/>
-            <a:ext cx="239345" cy="211535"/>
-          </a:xfrm>
-          <a:prstGeom prst="ellipse">
-            <a:avLst/>
-          </a:prstGeom>
-        </p:spPr>
-        <p:style>
-          <a:lnRef idx="1">
-            <a:schemeClr val="accent3"/>
-          </a:lnRef>
-          <a:fillRef idx="2">
-            <a:schemeClr val="accent3"/>
-          </a:fillRef>
-          <a:effectRef idx="1">
-            <a:schemeClr val="accent3"/>
-          </a:effectRef>
-          <a:fontRef idx="minor">
-            <a:schemeClr val="dk1"/>
-          </a:fontRef>
-        </p:style>
-        <p:txBody>
-          <a:bodyPr rtlCol="0" anchor="ctr"/>
-          <a:lstStyle/>
-          <a:p>
-            <a:pPr algn="ctr"/>
-            <a:endParaRPr lang="ko-KR" altLang="en-US"/>
-          </a:p>
-        </p:txBody>
-      </p:sp>
-      <p:pic>
-        <p:nvPicPr>
-          <p:cNvPr id="1030" name="Picture 6" descr="opencvì ëí ì´ë¯¸ì§ ê²ìê²°ê³¼">
-            <a:extLst>
-              <a:ext uri="{FF2B5EF4-FFF2-40B4-BE49-F238E27FC236}">
-                <a16:creationId xmlns:a16="http://schemas.microsoft.com/office/drawing/2014/main" id="{F8153352-E8B6-4429-8518-6CB3FE2ED737}"/>
-              </a:ext>
-            </a:extLst>
-          </p:cNvPr>
-          <p:cNvPicPr>
-            <a:picLocks noChangeAspect="1" noChangeArrowheads="1"/>
-          </p:cNvPicPr>
-          <p:nvPr/>
-        </p:nvPicPr>
-        <p:blipFill>
-          <a:blip r:embed="rId8" cstate="hqprint">
-            <a:extLst>
-              <a:ext uri="{28A0092B-C50C-407E-A947-70E740481C1C}">
-                <a14:useLocalDpi xmlns:a14="http://schemas.microsoft.com/office/drawing/2010/main" val="0"/>
-              </a:ext>
-            </a:extLst>
-          </a:blip>
-          <a:srcRect/>
-          <a:stretch>
-            <a:fillRect/>
-          </a:stretch>
-        </p:blipFill>
-        <p:spPr bwMode="auto">
-          <a:xfrm>
-            <a:off x="4647751" y="1880944"/>
-            <a:ext cx="738188" cy="909317"/>
-          </a:xfrm>
-          <a:prstGeom prst="rect">
-            <a:avLst/>
-          </a:prstGeom>
-          <a:noFill/>
-          <a:extLst>
-            <a:ext uri="{909E8E84-426E-40DD-AFC4-6F175D3DCCD1}">
-              <a14:hiddenFill xmlns:a14="http://schemas.microsoft.com/office/drawing/2010/main">
-                <a:solidFill>
-                  <a:srgbClr val="FFFFFF"/>
-                </a:solidFill>
-              </a14:hiddenFill>
-            </a:ext>
-          </a:extLst>
-        </p:spPr>
-      </p:pic>
-      <p:pic>
-        <p:nvPicPr>
-          <p:cNvPr id="20" name="Picture 6" descr="opencvì ëí ì´ë¯¸ì§ ê²ìê²°ê³¼">
-            <a:extLst>
-              <a:ext uri="{FF2B5EF4-FFF2-40B4-BE49-F238E27FC236}">
-                <a16:creationId xmlns:a16="http://schemas.microsoft.com/office/drawing/2014/main" id="{9D9E0941-9D5C-4D22-A718-45C46D8A9717}"/>
-              </a:ext>
-            </a:extLst>
-          </p:cNvPr>
-          <p:cNvPicPr>
-            <a:picLocks noChangeAspect="1" noChangeArrowheads="1"/>
-          </p:cNvPicPr>
-          <p:nvPr/>
-        </p:nvPicPr>
-        <p:blipFill>
-          <a:blip r:embed="rId9" cstate="hqprint">
-            <a:extLst>
-              <a:ext uri="{28A0092B-C50C-407E-A947-70E740481C1C}">
-                <a14:useLocalDpi xmlns:a14="http://schemas.microsoft.com/office/drawing/2010/main" val="0"/>
-              </a:ext>
-            </a:extLst>
-          </a:blip>
-          <a:srcRect/>
-          <a:stretch>
-            <a:fillRect/>
-          </a:stretch>
-        </p:blipFill>
-        <p:spPr bwMode="auto">
-          <a:xfrm>
-            <a:off x="9278047" y="1048644"/>
-            <a:ext cx="476311" cy="586730"/>
-          </a:xfrm>
-          <a:prstGeom prst="rect">
-            <a:avLst/>
-          </a:prstGeom>
-          <a:noFill/>
-          <a:extLst>
-            <a:ext uri="{909E8E84-426E-40DD-AFC4-6F175D3DCCD1}">
-              <a14:hiddenFill xmlns:a14="http://schemas.microsoft.com/office/drawing/2010/main">
-                <a:solidFill>
-                  <a:srgbClr val="FFFFFF"/>
-                </a:solidFill>
-              </a14:hiddenFill>
-            </a:ext>
-          </a:extLst>
-        </p:spPr>
-      </p:pic>
-      <p:sp>
-        <p:nvSpPr>
-          <p:cNvPr id="19" name="TextBox 18">
-            <a:extLst>
-              <a:ext uri="{FF2B5EF4-FFF2-40B4-BE49-F238E27FC236}">
-                <a16:creationId xmlns:a16="http://schemas.microsoft.com/office/drawing/2014/main" id="{6D49CE9E-E338-472E-B33D-7F67D1F2BBFE}"/>
-              </a:ext>
-            </a:extLst>
-          </p:cNvPr>
-          <p:cNvSpPr txBox="1"/>
-          <p:nvPr/>
-        </p:nvSpPr>
-        <p:spPr>
-          <a:xfrm>
-            <a:off x="7051553" y="2665059"/>
-            <a:ext cx="497252" cy="369332"/>
-          </a:xfrm>
-          <a:prstGeom prst="rect">
-            <a:avLst/>
-          </a:prstGeom>
-          <a:noFill/>
-        </p:spPr>
-        <p:txBody>
-          <a:bodyPr wrap="none" rtlCol="0">
-            <a:spAutoFit/>
-          </a:bodyPr>
-          <a:lstStyle/>
-          <a:p>
-            <a:r>
-              <a:rPr lang="en-US" altLang="ko-KR" b="1" dirty="0"/>
-              <a:t>AR</a:t>
-            </a:r>
-            <a:endParaRPr lang="ko-KR" altLang="en-US" b="1" dirty="0"/>
-          </a:p>
-        </p:txBody>
-      </p:sp>
-      <p:sp>
-        <p:nvSpPr>
-          <p:cNvPr id="22" name="TextBox 21">
-            <a:extLst>
-              <a:ext uri="{FF2B5EF4-FFF2-40B4-BE49-F238E27FC236}">
-                <a16:creationId xmlns:a16="http://schemas.microsoft.com/office/drawing/2014/main" id="{8C729AE2-B767-4BD1-9F76-A8B3731E2B8D}"/>
-              </a:ext>
-            </a:extLst>
-          </p:cNvPr>
-          <p:cNvSpPr txBox="1"/>
-          <p:nvPr/>
-        </p:nvSpPr>
-        <p:spPr>
-          <a:xfrm>
-            <a:off x="9144000" y="1960340"/>
-            <a:ext cx="1739579" cy="369332"/>
-          </a:xfrm>
-          <a:prstGeom prst="rect">
-            <a:avLst/>
-          </a:prstGeom>
-          <a:noFill/>
-        </p:spPr>
-        <p:txBody>
-          <a:bodyPr wrap="none" rtlCol="0">
-            <a:spAutoFit/>
-          </a:bodyPr>
-          <a:lstStyle/>
-          <a:p>
-            <a:r>
-              <a:rPr lang="ko-KR" altLang="en-US" dirty="0"/>
-              <a:t>손 인식 및 </a:t>
-            </a:r>
-            <a:r>
-              <a:rPr lang="en-US" altLang="ko-KR" dirty="0"/>
-              <a:t>GUI</a:t>
-            </a:r>
-            <a:endParaRPr lang="ko-KR" altLang="en-US" dirty="0"/>
-          </a:p>
-        </p:txBody>
-      </p:sp>
-      <p:pic>
-        <p:nvPicPr>
-          <p:cNvPr id="1032" name="Picture 8" descr=".netì ëí ì´ë¯¸ì§ ê²ìê²°ê³¼">
-            <a:extLst>
-              <a:ext uri="{FF2B5EF4-FFF2-40B4-BE49-F238E27FC236}">
-                <a16:creationId xmlns:a16="http://schemas.microsoft.com/office/drawing/2014/main" id="{22B0A959-2D34-4A0F-BB02-A8BAFD7F2D34}"/>
-              </a:ext>
-            </a:extLst>
-          </p:cNvPr>
-          <p:cNvPicPr>
-            <a:picLocks noChangeAspect="1" noChangeArrowheads="1"/>
-          </p:cNvPicPr>
-          <p:nvPr/>
-        </p:nvPicPr>
-        <p:blipFill>
-          <a:blip r:embed="rId10" cstate="hqprint">
-            <a:extLst>
-              <a:ext uri="{28A0092B-C50C-407E-A947-70E740481C1C}">
-                <a14:useLocalDpi xmlns:a14="http://schemas.microsoft.com/office/drawing/2010/main" val="0"/>
-              </a:ext>
-            </a:extLst>
-          </a:blip>
-          <a:srcRect/>
-          <a:stretch>
-            <a:fillRect/>
-          </a:stretch>
-        </p:blipFill>
-        <p:spPr bwMode="auto">
-          <a:xfrm>
-            <a:off x="9885753" y="1048644"/>
-            <a:ext cx="586731" cy="586731"/>
-          </a:xfrm>
-          <a:prstGeom prst="rect">
-            <a:avLst/>
-          </a:prstGeom>
-          <a:noFill/>
-          <a:extLst>
-            <a:ext uri="{909E8E84-426E-40DD-AFC4-6F175D3DCCD1}">
-              <a14:hiddenFill xmlns:a14="http://schemas.microsoft.com/office/drawing/2010/main">
-                <a:solidFill>
-                  <a:srgbClr val="FFFFFF"/>
-                </a:solidFill>
-              </a14:hiddenFill>
-            </a:ext>
-          </a:extLst>
-        </p:spPr>
-      </p:pic>
-      <p:pic>
-        <p:nvPicPr>
-          <p:cNvPr id="27" name="그래픽 26" descr="셔츠">
-            <a:extLst>
-              <a:ext uri="{FF2B5EF4-FFF2-40B4-BE49-F238E27FC236}">
-                <a16:creationId xmlns:a16="http://schemas.microsoft.com/office/drawing/2014/main" id="{96FF38DD-0A0F-43D2-895F-11C574B1C89B}"/>
-              </a:ext>
-            </a:extLst>
-          </p:cNvPr>
-          <p:cNvPicPr>
-            <a:picLocks noChangeAspect="1"/>
-          </p:cNvPicPr>
-          <p:nvPr/>
-        </p:nvPicPr>
-        <p:blipFill>
-          <a:blip r:embed="rId11" cstate="hqprint">
-            <a:extLst>
-              <a:ext uri="{28A0092B-C50C-407E-A947-70E740481C1C}">
-                <a14:useLocalDpi xmlns:a14="http://schemas.microsoft.com/office/drawing/2010/main" val="0"/>
-              </a:ext>
-              <a:ext uri="{96DAC541-7B7A-43D3-8B79-37D633B846F1}">
-                <asvg:svgBlip xmlns:asvg="http://schemas.microsoft.com/office/drawing/2016/SVG/main" xmlns="" r:embed="rId12"/>
-              </a:ext>
-            </a:extLst>
-          </a:blip>
-          <a:stretch>
-            <a:fillRect/>
-          </a:stretch>
-        </p:blipFill>
-        <p:spPr>
-          <a:xfrm>
-            <a:off x="8558512" y="2711217"/>
-            <a:ext cx="914400" cy="914400"/>
-          </a:xfrm>
-          <a:prstGeom prst="rect">
-            <a:avLst/>
-          </a:prstGeom>
-        </p:spPr>
-      </p:pic>
-      <p:pic>
-        <p:nvPicPr>
-          <p:cNvPr id="23" name="Picture 6" descr="opencvì ëí ì´ë¯¸ì§ ê²ìê²°ê³¼">
-            <a:extLst>
-              <a:ext uri="{FF2B5EF4-FFF2-40B4-BE49-F238E27FC236}">
-                <a16:creationId xmlns:a16="http://schemas.microsoft.com/office/drawing/2014/main" id="{9D9E0941-9D5C-4D22-A718-45C46D8A9717}"/>
-              </a:ext>
-            </a:extLst>
-          </p:cNvPr>
-          <p:cNvPicPr>
-            <a:picLocks noChangeAspect="1" noChangeArrowheads="1"/>
-          </p:cNvPicPr>
-          <p:nvPr/>
-        </p:nvPicPr>
-        <p:blipFill>
-          <a:blip r:embed="rId13" cstate="hqprint">
-            <a:extLst>
-              <a:ext uri="{28A0092B-C50C-407E-A947-70E740481C1C}">
-                <a14:useLocalDpi xmlns:a14="http://schemas.microsoft.com/office/drawing/2010/main" val="0"/>
-              </a:ext>
-            </a:extLst>
-          </a:blip>
-          <a:srcRect/>
-          <a:stretch>
-            <a:fillRect/>
-          </a:stretch>
-        </p:blipFill>
-        <p:spPr bwMode="auto">
-          <a:xfrm>
-            <a:off x="6724869" y="2645857"/>
-            <a:ext cx="346620" cy="426974"/>
+            <a:off x="3088612" y="4540397"/>
+            <a:ext cx="671616" cy="1424538"/>
           </a:xfrm>
           <a:prstGeom prst="rect">
             <a:avLst/>
@@ -4207,7 +5140,7 @@
     </p:spTree>
     <p:extLst>
       <p:ext uri="{BB962C8B-B14F-4D97-AF65-F5344CB8AC3E}">
-        <p14:creationId xmlns:p14="http://schemas.microsoft.com/office/powerpoint/2010/main" val="2118717677"/>
+        <p14:creationId xmlns:p14="http://schemas.microsoft.com/office/powerpoint/2010/main" val="1258992446"/>
       </p:ext>
     </p:extLst>
   </p:cSld>
@@ -4502,7 +5435,35 @@
       </a:bgFillStyleLst>
     </a:fmtScheme>
   </a:themeElements>
-  <a:objectDefaults/>
+  <a:objectDefaults>
+    <a:spDef>
+      <a:spPr>
+        <a:effectLst>
+          <a:softEdge rad="0"/>
+        </a:effectLst>
+      </a:spPr>
+      <a:bodyPr rtlCol="0" anchor="ctr"/>
+      <a:lstStyle>
+        <a:defPPr algn="ctr">
+          <a:defRPr dirty="0"/>
+        </a:defPPr>
+      </a:lstStyle>
+      <a:style>
+        <a:lnRef idx="3">
+          <a:schemeClr val="lt1"/>
+        </a:lnRef>
+        <a:fillRef idx="1">
+          <a:schemeClr val="accent3"/>
+        </a:fillRef>
+        <a:effectRef idx="1">
+          <a:schemeClr val="accent3"/>
+        </a:effectRef>
+        <a:fontRef idx="minor">
+          <a:schemeClr val="lt1"/>
+        </a:fontRef>
+      </a:style>
+    </a:spDef>
+  </a:objectDefaults>
   <a:extraClrSchemeLst/>
   <a:extLst>
     <a:ext uri="{05A4C25C-085E-4340-85A3-A5531E510DB2}">
